--- a/Presentation.pptx
+++ b/Presentation.pptx
@@ -2,7 +2,7 @@
 <file path=ppt/presentation.xml><?xml version="1.0" encoding="utf-8"?>
 <p:presentation xmlns:a="http://schemas.openxmlformats.org/drawingml/2006/main" xmlns:r="http://schemas.openxmlformats.org/officeDocument/2006/relationships" xmlns:p="http://schemas.openxmlformats.org/presentationml/2006/main" saveSubsetFonts="1" autoCompressPictures="0">
   <p:sldMasterIdLst>
-    <p:sldMasterId id="2147483648" r:id="rId1"/>
+    <p:sldMasterId id="2147483660" r:id="rId1"/>
   </p:sldMasterIdLst>
   <p:sldIdLst>
     <p:sldId id="256" r:id="rId2"/>
@@ -21,7 +21,7 @@
     <a:defPPr>
       <a:defRPr lang="en-US"/>
     </a:defPPr>
-    <a:lvl1pPr marL="0" algn="l" defTabSz="914400" rtl="0" eaLnBrk="1" latinLnBrk="0" hangingPunct="1">
+    <a:lvl1pPr marL="0" algn="l" defTabSz="457200" rtl="0" eaLnBrk="1" latinLnBrk="0" hangingPunct="1">
       <a:defRPr sz="1800" kern="1200">
         <a:solidFill>
           <a:schemeClr val="tx1"/>
@@ -31,7 +31,7 @@
         <a:cs typeface="+mn-cs"/>
       </a:defRPr>
     </a:lvl1pPr>
-    <a:lvl2pPr marL="457200" algn="l" defTabSz="914400" rtl="0" eaLnBrk="1" latinLnBrk="0" hangingPunct="1">
+    <a:lvl2pPr marL="457200" algn="l" defTabSz="457200" rtl="0" eaLnBrk="1" latinLnBrk="0" hangingPunct="1">
       <a:defRPr sz="1800" kern="1200">
         <a:solidFill>
           <a:schemeClr val="tx1"/>
@@ -41,7 +41,7 @@
         <a:cs typeface="+mn-cs"/>
       </a:defRPr>
     </a:lvl2pPr>
-    <a:lvl3pPr marL="914400" algn="l" defTabSz="914400" rtl="0" eaLnBrk="1" latinLnBrk="0" hangingPunct="1">
+    <a:lvl3pPr marL="914400" algn="l" defTabSz="457200" rtl="0" eaLnBrk="1" latinLnBrk="0" hangingPunct="1">
       <a:defRPr sz="1800" kern="1200">
         <a:solidFill>
           <a:schemeClr val="tx1"/>
@@ -51,7 +51,7 @@
         <a:cs typeface="+mn-cs"/>
       </a:defRPr>
     </a:lvl3pPr>
-    <a:lvl4pPr marL="1371600" algn="l" defTabSz="914400" rtl="0" eaLnBrk="1" latinLnBrk="0" hangingPunct="1">
+    <a:lvl4pPr marL="1371600" algn="l" defTabSz="457200" rtl="0" eaLnBrk="1" latinLnBrk="0" hangingPunct="1">
       <a:defRPr sz="1800" kern="1200">
         <a:solidFill>
           <a:schemeClr val="tx1"/>
@@ -61,7 +61,7 @@
         <a:cs typeface="+mn-cs"/>
       </a:defRPr>
     </a:lvl4pPr>
-    <a:lvl5pPr marL="1828800" algn="l" defTabSz="914400" rtl="0" eaLnBrk="1" latinLnBrk="0" hangingPunct="1">
+    <a:lvl5pPr marL="1828800" algn="l" defTabSz="457200" rtl="0" eaLnBrk="1" latinLnBrk="0" hangingPunct="1">
       <a:defRPr sz="1800" kern="1200">
         <a:solidFill>
           <a:schemeClr val="tx1"/>
@@ -71,7 +71,7 @@
         <a:cs typeface="+mn-cs"/>
       </a:defRPr>
     </a:lvl5pPr>
-    <a:lvl6pPr marL="2286000" algn="l" defTabSz="914400" rtl="0" eaLnBrk="1" latinLnBrk="0" hangingPunct="1">
+    <a:lvl6pPr marL="2286000" algn="l" defTabSz="457200" rtl="0" eaLnBrk="1" latinLnBrk="0" hangingPunct="1">
       <a:defRPr sz="1800" kern="1200">
         <a:solidFill>
           <a:schemeClr val="tx1"/>
@@ -81,7 +81,7 @@
         <a:cs typeface="+mn-cs"/>
       </a:defRPr>
     </a:lvl6pPr>
-    <a:lvl7pPr marL="2743200" algn="l" defTabSz="914400" rtl="0" eaLnBrk="1" latinLnBrk="0" hangingPunct="1">
+    <a:lvl7pPr marL="2743200" algn="l" defTabSz="457200" rtl="0" eaLnBrk="1" latinLnBrk="0" hangingPunct="1">
       <a:defRPr sz="1800" kern="1200">
         <a:solidFill>
           <a:schemeClr val="tx1"/>
@@ -91,7 +91,7 @@
         <a:cs typeface="+mn-cs"/>
       </a:defRPr>
     </a:lvl7pPr>
-    <a:lvl8pPr marL="3200400" algn="l" defTabSz="914400" rtl="0" eaLnBrk="1" latinLnBrk="0" hangingPunct="1">
+    <a:lvl8pPr marL="3200400" algn="l" defTabSz="457200" rtl="0" eaLnBrk="1" latinLnBrk="0" hangingPunct="1">
       <a:defRPr sz="1800" kern="1200">
         <a:solidFill>
           <a:schemeClr val="tx1"/>
@@ -101,7 +101,7 @@
         <a:cs typeface="+mn-cs"/>
       </a:defRPr>
     </a:lvl8pPr>
-    <a:lvl9pPr marL="3657600" algn="l" defTabSz="914400" rtl="0" eaLnBrk="1" latinLnBrk="0" hangingPunct="1">
+    <a:lvl9pPr marL="3657600" algn="l" defTabSz="457200" rtl="0" eaLnBrk="1" latinLnBrk="0" hangingPunct="1">
       <a:defRPr sz="1800" kern="1200">
         <a:solidFill>
           <a:schemeClr val="tx1"/>
@@ -118,6 +118,14 @@
 <file path=ppt/slideLayouts/slideLayout1.xml><?xml version="1.0" encoding="utf-8"?>
 <p:sldLayout xmlns:a="http://schemas.openxmlformats.org/drawingml/2006/main" xmlns:r="http://schemas.openxmlformats.org/officeDocument/2006/relationships" xmlns:p="http://schemas.openxmlformats.org/presentationml/2006/main" type="title" preserve="1">
   <p:cSld name="Title Slide">
+    <p:bg>
+      <p:bgPr>
+        <a:solidFill>
+          <a:schemeClr val="accent2"/>
+        </a:solidFill>
+        <a:effectLst/>
+      </p:bgPr>
+    </p:bg>
     <p:spTree>
       <p:nvGrpSpPr>
         <p:cNvPr id="1" name=""/>
@@ -134,69 +142,82 @@
       </p:grpSpPr>
       <p:sp>
         <p:nvSpPr>
-          <p:cNvPr id="2" name="Title 1">
-            <a:extLst>
-              <a:ext uri="{FF2B5EF4-FFF2-40B4-BE49-F238E27FC236}">
-                <a16:creationId xmlns:a16="http://schemas.microsoft.com/office/drawing/2014/main" id="{AC214506-9244-BD4F-869E-0112726BF328}"/>
-              </a:ext>
-            </a:extLst>
-          </p:cNvPr>
+          <p:cNvPr id="2" name="Title 1"/>
           <p:cNvSpPr>
             <a:spLocks noGrp="1"/>
           </p:cNvSpPr>
           <p:nvPr>
             <p:ph type="ctrTitle"/>
+          </p:nvPr>
+        </p:nvSpPr>
+        <p:spPr bwMode="blackWhite">
+          <a:xfrm>
+            <a:off x="1600200" y="2386744"/>
+            <a:ext cx="8991600" cy="1645920"/>
+          </a:xfrm>
+          <a:solidFill>
+            <a:srgbClr val="FFFFFF"/>
+          </a:solidFill>
+          <a:ln w="38100">
+            <a:solidFill>
+              <a:srgbClr val="404040"/>
+            </a:solidFill>
+          </a:ln>
+        </p:spPr>
+        <p:txBody>
+          <a:bodyPr lIns="274320" rIns="274320" anchor="ctr" anchorCtr="1">
+            <a:normAutofit/>
+          </a:bodyPr>
+          <a:lstStyle>
+            <a:lvl1pPr algn="ctr">
+              <a:defRPr sz="3800">
+                <a:solidFill>
+                  <a:srgbClr val="262626"/>
+                </a:solidFill>
+              </a:defRPr>
+            </a:lvl1pPr>
+          </a:lstStyle>
+          <a:p>
+            <a:r>
+              <a:rPr lang="en-US"/>
+              <a:t>Click to edit Master title style</a:t>
+            </a:r>
+            <a:endParaRPr lang="en-US" dirty="0"/>
+          </a:p>
+        </p:txBody>
+      </p:sp>
+      <p:sp>
+        <p:nvSpPr>
+          <p:cNvPr id="3" name="Subtitle 2"/>
+          <p:cNvSpPr>
+            <a:spLocks noGrp="1"/>
+          </p:cNvSpPr>
+          <p:nvPr>
+            <p:ph type="subTitle" idx="1"/>
           </p:nvPr>
         </p:nvSpPr>
         <p:spPr>
           <a:xfrm>
-            <a:off x="1524000" y="1122363"/>
-            <a:ext cx="9144000" cy="2387600"/>
+            <a:off x="2695194" y="4352544"/>
+            <a:ext cx="6801612" cy="1239894"/>
           </a:xfrm>
+          <a:noFill/>
         </p:spPr>
         <p:txBody>
-          <a:bodyPr anchor="b"/>
-          <a:lstStyle>
-            <a:lvl1pPr algn="ctr">
-              <a:defRPr sz="6000"/>
-            </a:lvl1pPr>
-          </a:lstStyle>
-          <a:p>
-            <a:r>
-              <a:rPr lang="en-US"/>
-              <a:t>Click to edit Master title style</a:t>
-            </a:r>
-          </a:p>
-        </p:txBody>
-      </p:sp>
-      <p:sp>
-        <p:nvSpPr>
-          <p:cNvPr id="3" name="Subtitle 2">
-            <a:extLst>
-              <a:ext uri="{FF2B5EF4-FFF2-40B4-BE49-F238E27FC236}">
-                <a16:creationId xmlns:a16="http://schemas.microsoft.com/office/drawing/2014/main" id="{F8FEC26E-27BE-D246-89CD-3B95046E2F52}"/>
-              </a:ext>
-            </a:extLst>
-          </p:cNvPr>
-          <p:cNvSpPr>
-            <a:spLocks noGrp="1"/>
-          </p:cNvSpPr>
-          <p:nvPr>
-            <p:ph type="subTitle" idx="1"/>
-          </p:nvPr>
-        </p:nvSpPr>
-        <p:spPr>
-          <a:xfrm>
-            <a:off x="1524000" y="3602038"/>
-            <a:ext cx="9144000" cy="1655762"/>
-          </a:xfrm>
-        </p:spPr>
-        <p:txBody>
-          <a:bodyPr/>
+          <a:bodyPr>
+            <a:normAutofit/>
+          </a:bodyPr>
           <a:lstStyle>
             <a:lvl1pPr marL="0" indent="0" algn="ctr">
               <a:buNone/>
-              <a:defRPr sz="2400"/>
+              <a:defRPr sz="2000">
+                <a:solidFill>
+                  <a:schemeClr val="tx1">
+                    <a:lumMod val="75000"/>
+                    <a:lumOff val="25000"/>
+                  </a:schemeClr>
+                </a:solidFill>
+              </a:defRPr>
             </a:lvl1pPr>
             <a:lvl2pPr marL="457200" indent="0" algn="ctr">
               <a:buNone/>
@@ -236,18 +257,13 @@
               <a:rPr lang="en-US"/>
               <a:t>Click to edit Master subtitle style</a:t>
             </a:r>
-          </a:p>
-        </p:txBody>
-      </p:sp>
-      <p:sp>
-        <p:nvSpPr>
-          <p:cNvPr id="4" name="Date Placeholder 3">
-            <a:extLst>
-              <a:ext uri="{FF2B5EF4-FFF2-40B4-BE49-F238E27FC236}">
-                <a16:creationId xmlns:a16="http://schemas.microsoft.com/office/drawing/2014/main" id="{7E30480E-9E22-1248-8636-EB3427C647BE}"/>
-              </a:ext>
-            </a:extLst>
-          </p:cNvPr>
+            <a:endParaRPr lang="en-US" dirty="0"/>
+          </a:p>
+        </p:txBody>
+      </p:sp>
+      <p:sp>
+        <p:nvSpPr>
+          <p:cNvPr id="7" name="Date Placeholder 6"/>
           <p:cNvSpPr>
             <a:spLocks noGrp="1"/>
           </p:cNvSpPr>
@@ -270,13 +286,7 @@
       </p:sp>
       <p:sp>
         <p:nvSpPr>
-          <p:cNvPr id="5" name="Footer Placeholder 4">
-            <a:extLst>
-              <a:ext uri="{FF2B5EF4-FFF2-40B4-BE49-F238E27FC236}">
-                <a16:creationId xmlns:a16="http://schemas.microsoft.com/office/drawing/2014/main" id="{74D4A08D-4FEC-3D49-9B51-64B5307E6F5F}"/>
-              </a:ext>
-            </a:extLst>
-          </p:cNvPr>
+          <p:cNvPr id="8" name="Footer Placeholder 7"/>
           <p:cNvSpPr>
             <a:spLocks noGrp="1"/>
           </p:cNvSpPr>
@@ -295,13 +305,7 @@
       </p:sp>
       <p:sp>
         <p:nvSpPr>
-          <p:cNvPr id="6" name="Slide Number Placeholder 5">
-            <a:extLst>
-              <a:ext uri="{FF2B5EF4-FFF2-40B4-BE49-F238E27FC236}">
-                <a16:creationId xmlns:a16="http://schemas.microsoft.com/office/drawing/2014/main" id="{AB613B72-E5D9-B143-A116-69C0CA5FE68C}"/>
-              </a:ext>
-            </a:extLst>
-          </p:cNvPr>
+          <p:cNvPr id="9" name="Slide Number Placeholder 8"/>
           <p:cNvSpPr>
             <a:spLocks noGrp="1"/>
           </p:cNvSpPr>
@@ -325,12 +329,12 @@
     </p:spTree>
     <p:extLst>
       <p:ext uri="{BB962C8B-B14F-4D97-AF65-F5344CB8AC3E}">
-        <p14:creationId xmlns:p14="http://schemas.microsoft.com/office/powerpoint/2010/main" val="54281308"/>
+        <p14:creationId xmlns:p14="http://schemas.microsoft.com/office/powerpoint/2010/main" val="3287781221"/>
       </p:ext>
     </p:extLst>
   </p:cSld>
   <p:clrMapOvr>
-    <a:masterClrMapping/>
+    <a:overrideClrMapping bg1="dk1" tx1="lt1" bg2="dk2" tx2="lt2" accent1="accent1" accent2="accent2" accent3="accent3" accent4="accent4" accent5="accent5" accent6="accent6" hlink="hlink" folHlink="folHlink"/>
   </p:clrMapOvr>
 </p:sldLayout>
 </file>
@@ -354,13 +358,7 @@
       </p:grpSpPr>
       <p:sp>
         <p:nvSpPr>
-          <p:cNvPr id="2" name="Title 1">
-            <a:extLst>
-              <a:ext uri="{FF2B5EF4-FFF2-40B4-BE49-F238E27FC236}">
-                <a16:creationId xmlns:a16="http://schemas.microsoft.com/office/drawing/2014/main" id="{3E65D421-89D8-DB4D-A6BC-580A6CD57D5E}"/>
-              </a:ext>
-            </a:extLst>
-          </p:cNvPr>
+          <p:cNvPr id="2" name="Title 1"/>
           <p:cNvSpPr>
             <a:spLocks noGrp="1"/>
           </p:cNvSpPr>
@@ -377,18 +375,13 @@
               <a:rPr lang="en-US"/>
               <a:t>Click to edit Master title style</a:t>
             </a:r>
-          </a:p>
-        </p:txBody>
-      </p:sp>
-      <p:sp>
-        <p:nvSpPr>
-          <p:cNvPr id="3" name="Vertical Text Placeholder 2">
-            <a:extLst>
-              <a:ext uri="{FF2B5EF4-FFF2-40B4-BE49-F238E27FC236}">
-                <a16:creationId xmlns:a16="http://schemas.microsoft.com/office/drawing/2014/main" id="{757C13D5-3380-0441-9EDA-DC5E0AB6CAC8}"/>
-              </a:ext>
-            </a:extLst>
-          </p:cNvPr>
+            <a:endParaRPr lang="en-US" dirty="0"/>
+          </a:p>
+        </p:txBody>
+      </p:sp>
+      <p:sp>
+        <p:nvSpPr>
+          <p:cNvPr id="3" name="Vertical Text Placeholder 2"/>
           <p:cNvSpPr>
             <a:spLocks noGrp="1"/>
           </p:cNvSpPr>
@@ -434,18 +427,13 @@
               <a:rPr lang="en-US"/>
               <a:t>Fifth level</a:t>
             </a:r>
-          </a:p>
-        </p:txBody>
-      </p:sp>
-      <p:sp>
-        <p:nvSpPr>
-          <p:cNvPr id="4" name="Date Placeholder 3">
-            <a:extLst>
-              <a:ext uri="{FF2B5EF4-FFF2-40B4-BE49-F238E27FC236}">
-                <a16:creationId xmlns:a16="http://schemas.microsoft.com/office/drawing/2014/main" id="{B07E1CF1-0708-9644-A9C0-6FCE61318B25}"/>
-              </a:ext>
-            </a:extLst>
-          </p:cNvPr>
+            <a:endParaRPr lang="en-US" dirty="0"/>
+          </a:p>
+        </p:txBody>
+      </p:sp>
+      <p:sp>
+        <p:nvSpPr>
+          <p:cNvPr id="4" name="Date Placeholder 3"/>
           <p:cNvSpPr>
             <a:spLocks noGrp="1"/>
           </p:cNvSpPr>
@@ -468,13 +456,7 @@
       </p:sp>
       <p:sp>
         <p:nvSpPr>
-          <p:cNvPr id="5" name="Footer Placeholder 4">
-            <a:extLst>
-              <a:ext uri="{FF2B5EF4-FFF2-40B4-BE49-F238E27FC236}">
-                <a16:creationId xmlns:a16="http://schemas.microsoft.com/office/drawing/2014/main" id="{6FC1D69C-9ECA-D44E-8F3F-38448BBAF49E}"/>
-              </a:ext>
-            </a:extLst>
-          </p:cNvPr>
+          <p:cNvPr id="5" name="Footer Placeholder 4"/>
           <p:cNvSpPr>
             <a:spLocks noGrp="1"/>
           </p:cNvSpPr>
@@ -493,13 +475,7 @@
       </p:sp>
       <p:sp>
         <p:nvSpPr>
-          <p:cNvPr id="6" name="Slide Number Placeholder 5">
-            <a:extLst>
-              <a:ext uri="{FF2B5EF4-FFF2-40B4-BE49-F238E27FC236}">
-                <a16:creationId xmlns:a16="http://schemas.microsoft.com/office/drawing/2014/main" id="{168F53FD-5630-C141-8B03-41D5BD16ABB8}"/>
-              </a:ext>
-            </a:extLst>
-          </p:cNvPr>
+          <p:cNvPr id="6" name="Slide Number Placeholder 5"/>
           <p:cNvSpPr>
             <a:spLocks noGrp="1"/>
           </p:cNvSpPr>
@@ -523,7 +499,7 @@
     </p:spTree>
     <p:extLst>
       <p:ext uri="{BB962C8B-B14F-4D97-AF65-F5344CB8AC3E}">
-        <p14:creationId xmlns:p14="http://schemas.microsoft.com/office/powerpoint/2010/main" val="1908066688"/>
+        <p14:creationId xmlns:p14="http://schemas.microsoft.com/office/powerpoint/2010/main" val="2850290521"/>
       </p:ext>
     </p:extLst>
   </p:cSld>
@@ -552,13 +528,7 @@
       </p:grpSpPr>
       <p:sp>
         <p:nvSpPr>
-          <p:cNvPr id="2" name="Vertical Title 1">
-            <a:extLst>
-              <a:ext uri="{FF2B5EF4-FFF2-40B4-BE49-F238E27FC236}">
-                <a16:creationId xmlns:a16="http://schemas.microsoft.com/office/drawing/2014/main" id="{79E55B46-FA03-7B40-A537-5AE54E5B4D35}"/>
-              </a:ext>
-            </a:extLst>
-          </p:cNvPr>
+          <p:cNvPr id="2" name="Vertical Title 1"/>
           <p:cNvSpPr>
             <a:spLocks noGrp="1"/>
           </p:cNvSpPr>
@@ -568,8 +538,8 @@
         </p:nvSpPr>
         <p:spPr>
           <a:xfrm>
-            <a:off x="8724900" y="365125"/>
-            <a:ext cx="2628900" cy="5811838"/>
+            <a:off x="8653112" y="937260"/>
+            <a:ext cx="1298608" cy="4983480"/>
           </a:xfrm>
         </p:spPr>
         <p:txBody>
@@ -580,18 +550,13 @@
               <a:rPr lang="en-US"/>
               <a:t>Click to edit Master title style</a:t>
             </a:r>
-          </a:p>
-        </p:txBody>
-      </p:sp>
-      <p:sp>
-        <p:nvSpPr>
-          <p:cNvPr id="3" name="Vertical Text Placeholder 2">
-            <a:extLst>
-              <a:ext uri="{FF2B5EF4-FFF2-40B4-BE49-F238E27FC236}">
-                <a16:creationId xmlns:a16="http://schemas.microsoft.com/office/drawing/2014/main" id="{01618730-B02C-0440-B90B-0F6100BA6E34}"/>
-              </a:ext>
-            </a:extLst>
-          </p:cNvPr>
+            <a:endParaRPr lang="en-US" dirty="0"/>
+          </a:p>
+        </p:txBody>
+      </p:sp>
+      <p:sp>
+        <p:nvSpPr>
+          <p:cNvPr id="3" name="Vertical Text Placeholder 2"/>
           <p:cNvSpPr>
             <a:spLocks noGrp="1"/>
           </p:cNvSpPr>
@@ -601,8 +566,8 @@
         </p:nvSpPr>
         <p:spPr>
           <a:xfrm>
-            <a:off x="838200" y="365125"/>
-            <a:ext cx="7734300" cy="5811838"/>
+            <a:off x="2231136" y="937260"/>
+            <a:ext cx="6198489" cy="4983480"/>
           </a:xfrm>
         </p:spPr>
         <p:txBody>
@@ -642,18 +607,13 @@
               <a:rPr lang="en-US"/>
               <a:t>Fifth level</a:t>
             </a:r>
-          </a:p>
-        </p:txBody>
-      </p:sp>
-      <p:sp>
-        <p:nvSpPr>
-          <p:cNvPr id="4" name="Date Placeholder 3">
-            <a:extLst>
-              <a:ext uri="{FF2B5EF4-FFF2-40B4-BE49-F238E27FC236}">
-                <a16:creationId xmlns:a16="http://schemas.microsoft.com/office/drawing/2014/main" id="{28A2524D-2DE2-FA40-9345-85C72471769F}"/>
-              </a:ext>
-            </a:extLst>
-          </p:cNvPr>
+            <a:endParaRPr lang="en-US" dirty="0"/>
+          </a:p>
+        </p:txBody>
+      </p:sp>
+      <p:sp>
+        <p:nvSpPr>
+          <p:cNvPr id="4" name="Date Placeholder 3"/>
           <p:cNvSpPr>
             <a:spLocks noGrp="1"/>
           </p:cNvSpPr>
@@ -676,13 +636,7 @@
       </p:sp>
       <p:sp>
         <p:nvSpPr>
-          <p:cNvPr id="5" name="Footer Placeholder 4">
-            <a:extLst>
-              <a:ext uri="{FF2B5EF4-FFF2-40B4-BE49-F238E27FC236}">
-                <a16:creationId xmlns:a16="http://schemas.microsoft.com/office/drawing/2014/main" id="{6B32D521-20D8-8748-AA32-AB7260CD8619}"/>
-              </a:ext>
-            </a:extLst>
-          </p:cNvPr>
+          <p:cNvPr id="5" name="Footer Placeholder 4"/>
           <p:cNvSpPr>
             <a:spLocks noGrp="1"/>
           </p:cNvSpPr>
@@ -701,13 +655,7 @@
       </p:sp>
       <p:sp>
         <p:nvSpPr>
-          <p:cNvPr id="6" name="Slide Number Placeholder 5">
-            <a:extLst>
-              <a:ext uri="{FF2B5EF4-FFF2-40B4-BE49-F238E27FC236}">
-                <a16:creationId xmlns:a16="http://schemas.microsoft.com/office/drawing/2014/main" id="{3372B943-11BD-824C-94A3-7A59811F5EDF}"/>
-              </a:ext>
-            </a:extLst>
-          </p:cNvPr>
+          <p:cNvPr id="6" name="Slide Number Placeholder 5"/>
           <p:cNvSpPr>
             <a:spLocks noGrp="1"/>
           </p:cNvSpPr>
@@ -731,7 +679,7 @@
     </p:spTree>
     <p:extLst>
       <p:ext uri="{BB962C8B-B14F-4D97-AF65-F5344CB8AC3E}">
-        <p14:creationId xmlns:p14="http://schemas.microsoft.com/office/powerpoint/2010/main" val="967605957"/>
+        <p14:creationId xmlns:p14="http://schemas.microsoft.com/office/powerpoint/2010/main" val="1680569225"/>
       </p:ext>
     </p:extLst>
   </p:cSld>
@@ -760,13 +708,7 @@
       </p:grpSpPr>
       <p:sp>
         <p:nvSpPr>
-          <p:cNvPr id="2" name="Title 1">
-            <a:extLst>
-              <a:ext uri="{FF2B5EF4-FFF2-40B4-BE49-F238E27FC236}">
-                <a16:creationId xmlns:a16="http://schemas.microsoft.com/office/drawing/2014/main" id="{7174DFC3-B380-BF4E-BE46-AD9A25036F36}"/>
-              </a:ext>
-            </a:extLst>
-          </p:cNvPr>
+          <p:cNvPr id="2" name="Title 1"/>
           <p:cNvSpPr>
             <a:spLocks noGrp="1"/>
           </p:cNvSpPr>
@@ -783,18 +725,13 @@
               <a:rPr lang="en-US"/>
               <a:t>Click to edit Master title style</a:t>
             </a:r>
-          </a:p>
-        </p:txBody>
-      </p:sp>
-      <p:sp>
-        <p:nvSpPr>
-          <p:cNvPr id="3" name="Content Placeholder 2">
-            <a:extLst>
-              <a:ext uri="{FF2B5EF4-FFF2-40B4-BE49-F238E27FC236}">
-                <a16:creationId xmlns:a16="http://schemas.microsoft.com/office/drawing/2014/main" id="{26BF1F03-8483-014C-902E-4378907A65C5}"/>
-              </a:ext>
-            </a:extLst>
-          </p:cNvPr>
+            <a:endParaRPr lang="en-US" dirty="0"/>
+          </a:p>
+        </p:txBody>
+      </p:sp>
+      <p:sp>
+        <p:nvSpPr>
+          <p:cNvPr id="3" name="Content Placeholder 2"/>
           <p:cNvSpPr>
             <a:spLocks noGrp="1"/>
           </p:cNvSpPr>
@@ -840,18 +777,13 @@
               <a:rPr lang="en-US"/>
               <a:t>Fifth level</a:t>
             </a:r>
-          </a:p>
-        </p:txBody>
-      </p:sp>
-      <p:sp>
-        <p:nvSpPr>
-          <p:cNvPr id="4" name="Date Placeholder 3">
-            <a:extLst>
-              <a:ext uri="{FF2B5EF4-FFF2-40B4-BE49-F238E27FC236}">
-                <a16:creationId xmlns:a16="http://schemas.microsoft.com/office/drawing/2014/main" id="{15EAFE66-345C-A34C-8244-087D1FDD9052}"/>
-              </a:ext>
-            </a:extLst>
-          </p:cNvPr>
+            <a:endParaRPr lang="en-US" dirty="0"/>
+          </a:p>
+        </p:txBody>
+      </p:sp>
+      <p:sp>
+        <p:nvSpPr>
+          <p:cNvPr id="7" name="Date Placeholder 6"/>
           <p:cNvSpPr>
             <a:spLocks noGrp="1"/>
           </p:cNvSpPr>
@@ -874,13 +806,7 @@
       </p:sp>
       <p:sp>
         <p:nvSpPr>
-          <p:cNvPr id="5" name="Footer Placeholder 4">
-            <a:extLst>
-              <a:ext uri="{FF2B5EF4-FFF2-40B4-BE49-F238E27FC236}">
-                <a16:creationId xmlns:a16="http://schemas.microsoft.com/office/drawing/2014/main" id="{F68AA69F-EA58-F245-8FAB-032C7CFDC1E5}"/>
-              </a:ext>
-            </a:extLst>
-          </p:cNvPr>
+          <p:cNvPr id="8" name="Footer Placeholder 7"/>
           <p:cNvSpPr>
             <a:spLocks noGrp="1"/>
           </p:cNvSpPr>
@@ -899,13 +825,7 @@
       </p:sp>
       <p:sp>
         <p:nvSpPr>
-          <p:cNvPr id="6" name="Slide Number Placeholder 5">
-            <a:extLst>
-              <a:ext uri="{FF2B5EF4-FFF2-40B4-BE49-F238E27FC236}">
-                <a16:creationId xmlns:a16="http://schemas.microsoft.com/office/drawing/2014/main" id="{ED934B12-E016-B345-BC91-8155102DE091}"/>
-              </a:ext>
-            </a:extLst>
-          </p:cNvPr>
+          <p:cNvPr id="9" name="Slide Number Placeholder 8"/>
           <p:cNvSpPr>
             <a:spLocks noGrp="1"/>
           </p:cNvSpPr>
@@ -929,7 +849,7 @@
     </p:spTree>
     <p:extLst>
       <p:ext uri="{BB962C8B-B14F-4D97-AF65-F5344CB8AC3E}">
-        <p14:creationId xmlns:p14="http://schemas.microsoft.com/office/powerpoint/2010/main" val="59305346"/>
+        <p14:creationId xmlns:p14="http://schemas.microsoft.com/office/powerpoint/2010/main" val="2883251544"/>
       </p:ext>
     </p:extLst>
   </p:cSld>
@@ -942,6 +862,14 @@
 <file path=ppt/slideLayouts/slideLayout3.xml><?xml version="1.0" encoding="utf-8"?>
 <p:sldLayout xmlns:a="http://schemas.openxmlformats.org/drawingml/2006/main" xmlns:r="http://schemas.openxmlformats.org/officeDocument/2006/relationships" xmlns:p="http://schemas.openxmlformats.org/presentationml/2006/main" type="secHead" preserve="1">
   <p:cSld name="Section Header">
+    <p:bg>
+      <p:bgPr>
+        <a:solidFill>
+          <a:schemeClr val="accent1"/>
+        </a:solidFill>
+        <a:effectLst/>
+      </p:bgPr>
+    </p:bg>
     <p:spTree>
       <p:nvGrpSpPr>
         <p:cNvPr id="1" name=""/>
@@ -958,73 +886,76 @@
       </p:grpSpPr>
       <p:sp>
         <p:nvSpPr>
-          <p:cNvPr id="2" name="Title 1">
-            <a:extLst>
-              <a:ext uri="{FF2B5EF4-FFF2-40B4-BE49-F238E27FC236}">
-                <a16:creationId xmlns:a16="http://schemas.microsoft.com/office/drawing/2014/main" id="{AD3C0AB3-D2AA-164D-8A87-9E24C39DF8B3}"/>
-              </a:ext>
-            </a:extLst>
-          </p:cNvPr>
+          <p:cNvPr id="2" name="Title 1"/>
           <p:cNvSpPr>
             <a:spLocks noGrp="1"/>
           </p:cNvSpPr>
           <p:nvPr>
             <p:ph type="title"/>
+          </p:nvPr>
+        </p:nvSpPr>
+        <p:spPr bwMode="blackWhite">
+          <a:xfrm>
+            <a:off x="1600200" y="2386744"/>
+            <a:ext cx="8991600" cy="1645920"/>
+          </a:xfrm>
+          <a:solidFill>
+            <a:srgbClr val="FFFFFF"/>
+          </a:solidFill>
+          <a:ln w="38100">
+            <a:solidFill>
+              <a:srgbClr val="404040"/>
+            </a:solidFill>
+          </a:ln>
+        </p:spPr>
+        <p:txBody>
+          <a:bodyPr lIns="274320" rIns="274320" anchor="ctr" anchorCtr="1">
+            <a:normAutofit/>
+          </a:bodyPr>
+          <a:lstStyle>
+            <a:lvl1pPr>
+              <a:defRPr sz="3800">
+                <a:solidFill>
+                  <a:srgbClr val="262626"/>
+                </a:solidFill>
+              </a:defRPr>
+            </a:lvl1pPr>
+          </a:lstStyle>
+          <a:p>
+            <a:r>
+              <a:rPr lang="en-US"/>
+              <a:t>Click to edit Master title style</a:t>
+            </a:r>
+            <a:endParaRPr lang="en-US" dirty="0"/>
+          </a:p>
+        </p:txBody>
+      </p:sp>
+      <p:sp>
+        <p:nvSpPr>
+          <p:cNvPr id="3" name="Text Placeholder 2"/>
+          <p:cNvSpPr>
+            <a:spLocks noGrp="1"/>
+          </p:cNvSpPr>
+          <p:nvPr>
+            <p:ph type="body" idx="1"/>
           </p:nvPr>
         </p:nvSpPr>
         <p:spPr>
           <a:xfrm>
-            <a:off x="831850" y="1709738"/>
-            <a:ext cx="10515600" cy="2852737"/>
+            <a:off x="2695194" y="4352465"/>
+            <a:ext cx="6801612" cy="1265082"/>
           </a:xfrm>
         </p:spPr>
         <p:txBody>
-          <a:bodyPr anchor="b"/>
-          <a:lstStyle>
-            <a:lvl1pPr>
-              <a:defRPr sz="6000"/>
-            </a:lvl1pPr>
-          </a:lstStyle>
-          <a:p>
-            <a:r>
-              <a:rPr lang="en-US"/>
-              <a:t>Click to edit Master title style</a:t>
-            </a:r>
-          </a:p>
-        </p:txBody>
-      </p:sp>
-      <p:sp>
-        <p:nvSpPr>
-          <p:cNvPr id="3" name="Text Placeholder 2">
-            <a:extLst>
-              <a:ext uri="{FF2B5EF4-FFF2-40B4-BE49-F238E27FC236}">
-                <a16:creationId xmlns:a16="http://schemas.microsoft.com/office/drawing/2014/main" id="{BAACBE22-4B69-F94D-8929-B4A62A02259A}"/>
-              </a:ext>
-            </a:extLst>
-          </p:cNvPr>
-          <p:cNvSpPr>
-            <a:spLocks noGrp="1"/>
-          </p:cNvSpPr>
-          <p:nvPr>
-            <p:ph type="body" idx="1"/>
-          </p:nvPr>
-        </p:nvSpPr>
-        <p:spPr>
-          <a:xfrm>
-            <a:off x="831850" y="4589463"/>
-            <a:ext cx="10515600" cy="1500187"/>
-          </a:xfrm>
-        </p:spPr>
-        <p:txBody>
-          <a:bodyPr/>
+          <a:bodyPr anchor="t" anchorCtr="1">
+            <a:normAutofit/>
+          </a:bodyPr>
           <a:lstStyle>
             <a:lvl1pPr marL="0" indent="0">
               <a:buNone/>
-              <a:defRPr sz="2400">
+              <a:defRPr sz="2000">
                 <a:solidFill>
-                  <a:schemeClr val="tx1">
-                    <a:tint val="75000"/>
-                  </a:schemeClr>
+                  <a:schemeClr val="tx1"/>
                 </a:solidFill>
               </a:defRPr>
             </a:lvl1pPr>
@@ -1120,13 +1051,7 @@
       </p:sp>
       <p:sp>
         <p:nvSpPr>
-          <p:cNvPr id="4" name="Date Placeholder 3">
-            <a:extLst>
-              <a:ext uri="{FF2B5EF4-FFF2-40B4-BE49-F238E27FC236}">
-                <a16:creationId xmlns:a16="http://schemas.microsoft.com/office/drawing/2014/main" id="{5F67BC32-DDAB-6D46-A152-5D1A7E3E2970}"/>
-              </a:ext>
-            </a:extLst>
-          </p:cNvPr>
+          <p:cNvPr id="7" name="Date Placeholder 6"/>
           <p:cNvSpPr>
             <a:spLocks noGrp="1"/>
           </p:cNvSpPr>
@@ -1149,13 +1074,7 @@
       </p:sp>
       <p:sp>
         <p:nvSpPr>
-          <p:cNvPr id="5" name="Footer Placeholder 4">
-            <a:extLst>
-              <a:ext uri="{FF2B5EF4-FFF2-40B4-BE49-F238E27FC236}">
-                <a16:creationId xmlns:a16="http://schemas.microsoft.com/office/drawing/2014/main" id="{D3A2DA67-3C08-1043-8F45-8C907FEAFCDC}"/>
-              </a:ext>
-            </a:extLst>
-          </p:cNvPr>
+          <p:cNvPr id="8" name="Footer Placeholder 7"/>
           <p:cNvSpPr>
             <a:spLocks noGrp="1"/>
           </p:cNvSpPr>
@@ -1174,13 +1093,7 @@
       </p:sp>
       <p:sp>
         <p:nvSpPr>
-          <p:cNvPr id="6" name="Slide Number Placeholder 5">
-            <a:extLst>
-              <a:ext uri="{FF2B5EF4-FFF2-40B4-BE49-F238E27FC236}">
-                <a16:creationId xmlns:a16="http://schemas.microsoft.com/office/drawing/2014/main" id="{F49FAF45-2EED-FB4D-89D7-92CFAF3DECF7}"/>
-              </a:ext>
-            </a:extLst>
-          </p:cNvPr>
+          <p:cNvPr id="9" name="Slide Number Placeholder 8"/>
           <p:cNvSpPr>
             <a:spLocks noGrp="1"/>
           </p:cNvSpPr>
@@ -1204,12 +1117,12 @@
     </p:spTree>
     <p:extLst>
       <p:ext uri="{BB962C8B-B14F-4D97-AF65-F5344CB8AC3E}">
-        <p14:creationId xmlns:p14="http://schemas.microsoft.com/office/powerpoint/2010/main" val="2383537664"/>
+        <p14:creationId xmlns:p14="http://schemas.microsoft.com/office/powerpoint/2010/main" val="3889836512"/>
       </p:ext>
     </p:extLst>
   </p:cSld>
   <p:clrMapOvr>
-    <a:masterClrMapping/>
+    <a:overrideClrMapping bg1="dk1" tx1="lt1" bg2="dk2" tx2="lt2" accent1="accent1" accent2="accent2" accent3="accent3" accent4="accent4" accent5="accent5" accent6="accent6" hlink="hlink" folHlink="folHlink"/>
   </p:clrMapOvr>
 </p:sldLayout>
 </file>
@@ -1233,13 +1146,7 @@
       </p:grpSpPr>
       <p:sp>
         <p:nvSpPr>
-          <p:cNvPr id="2" name="Title 1">
-            <a:extLst>
-              <a:ext uri="{FF2B5EF4-FFF2-40B4-BE49-F238E27FC236}">
-                <a16:creationId xmlns:a16="http://schemas.microsoft.com/office/drawing/2014/main" id="{A8180908-C383-0744-983E-A31B720A65D6}"/>
-              </a:ext>
-            </a:extLst>
-          </p:cNvPr>
+          <p:cNvPr id="2" name="Title 1"/>
           <p:cNvSpPr>
             <a:spLocks noGrp="1"/>
           </p:cNvSpPr>
@@ -1256,18 +1163,13 @@
               <a:rPr lang="en-US"/>
               <a:t>Click to edit Master title style</a:t>
             </a:r>
-          </a:p>
-        </p:txBody>
-      </p:sp>
-      <p:sp>
-        <p:nvSpPr>
-          <p:cNvPr id="3" name="Content Placeholder 2">
-            <a:extLst>
-              <a:ext uri="{FF2B5EF4-FFF2-40B4-BE49-F238E27FC236}">
-                <a16:creationId xmlns:a16="http://schemas.microsoft.com/office/drawing/2014/main" id="{FD3B9181-F72F-2248-9218-4EEDC896239B}"/>
-              </a:ext>
-            </a:extLst>
-          </p:cNvPr>
+            <a:endParaRPr lang="en-US" dirty="0"/>
+          </a:p>
+        </p:txBody>
+      </p:sp>
+      <p:sp>
+        <p:nvSpPr>
+          <p:cNvPr id="3" name="Content Placeholder 2"/>
           <p:cNvSpPr>
             <a:spLocks noGrp="1"/>
           </p:cNvSpPr>
@@ -1277,8 +1179,8 @@
         </p:nvSpPr>
         <p:spPr>
           <a:xfrm>
-            <a:off x="838200" y="1825625"/>
-            <a:ext cx="5181600" cy="4351338"/>
+            <a:off x="1581912" y="2638044"/>
+            <a:ext cx="4271771" cy="3101982"/>
           </a:xfrm>
         </p:spPr>
         <p:txBody>
@@ -1318,18 +1220,13 @@
               <a:rPr lang="en-US"/>
               <a:t>Fifth level</a:t>
             </a:r>
-          </a:p>
-        </p:txBody>
-      </p:sp>
-      <p:sp>
-        <p:nvSpPr>
-          <p:cNvPr id="4" name="Content Placeholder 3">
-            <a:extLst>
-              <a:ext uri="{FF2B5EF4-FFF2-40B4-BE49-F238E27FC236}">
-                <a16:creationId xmlns:a16="http://schemas.microsoft.com/office/drawing/2014/main" id="{9ABBDE75-DC4A-6540-8C75-25AAAD28D143}"/>
-              </a:ext>
-            </a:extLst>
-          </p:cNvPr>
+            <a:endParaRPr lang="en-US" dirty="0"/>
+          </a:p>
+        </p:txBody>
+      </p:sp>
+      <p:sp>
+        <p:nvSpPr>
+          <p:cNvPr id="4" name="Content Placeholder 3"/>
           <p:cNvSpPr>
             <a:spLocks noGrp="1"/>
           </p:cNvSpPr>
@@ -1339,8 +1236,8 @@
         </p:nvSpPr>
         <p:spPr>
           <a:xfrm>
-            <a:off x="6172200" y="1825625"/>
-            <a:ext cx="5181600" cy="4351338"/>
+            <a:off x="6338315" y="2638044"/>
+            <a:ext cx="4270247" cy="3101982"/>
           </a:xfrm>
         </p:spPr>
         <p:txBody>
@@ -1380,18 +1277,13 @@
               <a:rPr lang="en-US"/>
               <a:t>Fifth level</a:t>
             </a:r>
-          </a:p>
-        </p:txBody>
-      </p:sp>
-      <p:sp>
-        <p:nvSpPr>
-          <p:cNvPr id="5" name="Date Placeholder 4">
-            <a:extLst>
-              <a:ext uri="{FF2B5EF4-FFF2-40B4-BE49-F238E27FC236}">
-                <a16:creationId xmlns:a16="http://schemas.microsoft.com/office/drawing/2014/main" id="{BF274B3F-9FA2-3E41-9FDB-F862EBEABCD8}"/>
-              </a:ext>
-            </a:extLst>
-          </p:cNvPr>
+            <a:endParaRPr lang="en-US" dirty="0"/>
+          </a:p>
+        </p:txBody>
+      </p:sp>
+      <p:sp>
+        <p:nvSpPr>
+          <p:cNvPr id="8" name="Date Placeholder 7"/>
           <p:cNvSpPr>
             <a:spLocks noGrp="1"/>
           </p:cNvSpPr>
@@ -1414,13 +1306,7 @@
       </p:sp>
       <p:sp>
         <p:nvSpPr>
-          <p:cNvPr id="6" name="Footer Placeholder 5">
-            <a:extLst>
-              <a:ext uri="{FF2B5EF4-FFF2-40B4-BE49-F238E27FC236}">
-                <a16:creationId xmlns:a16="http://schemas.microsoft.com/office/drawing/2014/main" id="{019D761C-AA02-9346-A29F-89DA3E767811}"/>
-              </a:ext>
-            </a:extLst>
-          </p:cNvPr>
+          <p:cNvPr id="9" name="Footer Placeholder 8"/>
           <p:cNvSpPr>
             <a:spLocks noGrp="1"/>
           </p:cNvSpPr>
@@ -1439,13 +1325,7 @@
       </p:sp>
       <p:sp>
         <p:nvSpPr>
-          <p:cNvPr id="7" name="Slide Number Placeholder 6">
-            <a:extLst>
-              <a:ext uri="{FF2B5EF4-FFF2-40B4-BE49-F238E27FC236}">
-                <a16:creationId xmlns:a16="http://schemas.microsoft.com/office/drawing/2014/main" id="{EA66A094-2BEA-434E-944C-956CD9EE432A}"/>
-              </a:ext>
-            </a:extLst>
-          </p:cNvPr>
+          <p:cNvPr id="10" name="Slide Number Placeholder 9"/>
           <p:cNvSpPr>
             <a:spLocks noGrp="1"/>
           </p:cNvSpPr>
@@ -1469,7 +1349,7 @@
     </p:spTree>
     <p:extLst>
       <p:ext uri="{BB962C8B-B14F-4D97-AF65-F5344CB8AC3E}">
-        <p14:creationId xmlns:p14="http://schemas.microsoft.com/office/powerpoint/2010/main" val="1675470387"/>
+        <p14:creationId xmlns:p14="http://schemas.microsoft.com/office/powerpoint/2010/main" val="1382052203"/>
       </p:ext>
     </p:extLst>
   </p:cSld>
@@ -1498,69 +1378,38 @@
       </p:grpSpPr>
       <p:sp>
         <p:nvSpPr>
-          <p:cNvPr id="2" name="Title 1">
-            <a:extLst>
-              <a:ext uri="{FF2B5EF4-FFF2-40B4-BE49-F238E27FC236}">
-                <a16:creationId xmlns:a16="http://schemas.microsoft.com/office/drawing/2014/main" id="{D9D8AD62-AB3E-184F-85BF-9E64B9972182}"/>
-              </a:ext>
-            </a:extLst>
-          </p:cNvPr>
-          <p:cNvSpPr>
-            <a:spLocks noGrp="1"/>
-          </p:cNvSpPr>
-          <p:nvPr>
-            <p:ph type="title"/>
+          <p:cNvPr id="3" name="Text Placeholder 2"/>
+          <p:cNvSpPr>
+            <a:spLocks noGrp="1"/>
+          </p:cNvSpPr>
+          <p:nvPr>
+            <p:ph type="body" idx="1"/>
           </p:nvPr>
         </p:nvSpPr>
         <p:spPr>
           <a:xfrm>
-            <a:off x="839788" y="365125"/>
-            <a:ext cx="10515600" cy="1325563"/>
+            <a:off x="1583436" y="2313433"/>
+            <a:ext cx="4270248" cy="704087"/>
           </a:xfrm>
         </p:spPr>
         <p:txBody>
-          <a:bodyPr/>
-          <a:lstStyle/>
-          <a:p>
-            <a:r>
-              <a:rPr lang="en-US"/>
-              <a:t>Click to edit Master title style</a:t>
-            </a:r>
-          </a:p>
-        </p:txBody>
-      </p:sp>
-      <p:sp>
-        <p:nvSpPr>
-          <p:cNvPr id="3" name="Text Placeholder 2">
-            <a:extLst>
-              <a:ext uri="{FF2B5EF4-FFF2-40B4-BE49-F238E27FC236}">
-                <a16:creationId xmlns:a16="http://schemas.microsoft.com/office/drawing/2014/main" id="{4C3EB706-4FAA-8C41-8656-A89DFCF9C3FE}"/>
-              </a:ext>
-            </a:extLst>
-          </p:cNvPr>
-          <p:cNvSpPr>
-            <a:spLocks noGrp="1"/>
-          </p:cNvSpPr>
-          <p:nvPr>
-            <p:ph type="body" idx="1"/>
-          </p:nvPr>
-        </p:nvSpPr>
-        <p:spPr>
-          <a:xfrm>
-            <a:off x="839788" y="1681163"/>
-            <a:ext cx="5157787" cy="823912"/>
-          </a:xfrm>
-        </p:spPr>
-        <p:txBody>
-          <a:bodyPr anchor="b"/>
+          <a:bodyPr anchor="b" anchorCtr="1">
+            <a:normAutofit/>
+          </a:bodyPr>
           <a:lstStyle>
-            <a:lvl1pPr marL="0" indent="0">
-              <a:buNone/>
-              <a:defRPr sz="2400" b="1"/>
+            <a:lvl1pPr marL="0" indent="0" algn="ctr">
+              <a:buNone/>
+              <a:defRPr sz="1900" b="0" cap="all" spc="100" baseline="0">
+                <a:solidFill>
+                  <a:schemeClr val="accent2">
+                    <a:lumMod val="75000"/>
+                  </a:schemeClr>
+                </a:solidFill>
+              </a:defRPr>
             </a:lvl1pPr>
             <a:lvl2pPr marL="457200" indent="0">
               <a:buNone/>
-              <a:defRPr sz="2000" b="1"/>
+              <a:defRPr sz="1900" b="1"/>
             </a:lvl2pPr>
             <a:lvl3pPr marL="914400" indent="0">
               <a:buNone/>
@@ -1602,13 +1451,7 @@
       </p:sp>
       <p:sp>
         <p:nvSpPr>
-          <p:cNvPr id="4" name="Content Placeholder 3">
-            <a:extLst>
-              <a:ext uri="{FF2B5EF4-FFF2-40B4-BE49-F238E27FC236}">
-                <a16:creationId xmlns:a16="http://schemas.microsoft.com/office/drawing/2014/main" id="{CE53940D-B787-0D41-A5F5-437D416A99FF}"/>
-              </a:ext>
-            </a:extLst>
-          </p:cNvPr>
+          <p:cNvPr id="4" name="Content Placeholder 3"/>
           <p:cNvSpPr>
             <a:spLocks noGrp="1"/>
           </p:cNvSpPr>
@@ -1618,8 +1461,8 @@
         </p:nvSpPr>
         <p:spPr>
           <a:xfrm>
-            <a:off x="839788" y="2505075"/>
-            <a:ext cx="5157787" cy="3684588"/>
+            <a:off x="1583436" y="3143250"/>
+            <a:ext cx="4270248" cy="2596776"/>
           </a:xfrm>
         </p:spPr>
         <p:txBody>
@@ -1659,41 +1502,105 @@
               <a:rPr lang="en-US"/>
               <a:t>Fifth level</a:t>
             </a:r>
-          </a:p>
-        </p:txBody>
-      </p:sp>
-      <p:sp>
-        <p:nvSpPr>
-          <p:cNvPr id="5" name="Text Placeholder 4">
-            <a:extLst>
-              <a:ext uri="{FF2B5EF4-FFF2-40B4-BE49-F238E27FC236}">
-                <a16:creationId xmlns:a16="http://schemas.microsoft.com/office/drawing/2014/main" id="{6A74F1F5-CE1B-3047-A0C8-41D19E968ECD}"/>
-              </a:ext>
-            </a:extLst>
-          </p:cNvPr>
-          <p:cNvSpPr>
-            <a:spLocks noGrp="1"/>
-          </p:cNvSpPr>
-          <p:nvPr>
-            <p:ph type="body" sz="quarter" idx="3"/>
+            <a:endParaRPr lang="en-US" dirty="0"/>
+          </a:p>
+        </p:txBody>
+      </p:sp>
+      <p:sp>
+        <p:nvSpPr>
+          <p:cNvPr id="6" name="Content Placeholder 5"/>
+          <p:cNvSpPr>
+            <a:spLocks noGrp="1"/>
+          </p:cNvSpPr>
+          <p:nvPr>
+            <p:ph sz="quarter" idx="4"/>
           </p:nvPr>
         </p:nvSpPr>
         <p:spPr>
           <a:xfrm>
-            <a:off x="6172200" y="1681163"/>
-            <a:ext cx="5183188" cy="823912"/>
+            <a:off x="6338316" y="3143250"/>
+            <a:ext cx="4253484" cy="2596776"/>
           </a:xfrm>
         </p:spPr>
         <p:txBody>
-          <a:bodyPr anchor="b"/>
+          <a:bodyPr/>
           <a:lstStyle>
-            <a:lvl1pPr marL="0" indent="0">
-              <a:buNone/>
-              <a:defRPr sz="2400" b="1"/>
+            <a:lvl5pPr>
+              <a:defRPr/>
+            </a:lvl5pPr>
+          </a:lstStyle>
+          <a:p>
+            <a:pPr lvl="0"/>
+            <a:r>
+              <a:rPr lang="en-US"/>
+              <a:t>Click to edit Master text styles</a:t>
+            </a:r>
+          </a:p>
+          <a:p>
+            <a:pPr lvl="1"/>
+            <a:r>
+              <a:rPr lang="en-US"/>
+              <a:t>Second level</a:t>
+            </a:r>
+          </a:p>
+          <a:p>
+            <a:pPr lvl="2"/>
+            <a:r>
+              <a:rPr lang="en-US"/>
+              <a:t>Third level</a:t>
+            </a:r>
+          </a:p>
+          <a:p>
+            <a:pPr lvl="3"/>
+            <a:r>
+              <a:rPr lang="en-US"/>
+              <a:t>Fourth level</a:t>
+            </a:r>
+          </a:p>
+          <a:p>
+            <a:pPr lvl="4"/>
+            <a:r>
+              <a:rPr lang="en-US"/>
+              <a:t>Fifth level</a:t>
+            </a:r>
+            <a:endParaRPr lang="en-US" dirty="0"/>
+          </a:p>
+        </p:txBody>
+      </p:sp>
+      <p:sp>
+        <p:nvSpPr>
+          <p:cNvPr id="11" name="Text Placeholder 4"/>
+          <p:cNvSpPr>
+            <a:spLocks noGrp="1"/>
+          </p:cNvSpPr>
+          <p:nvPr>
+            <p:ph type="body" sz="quarter" idx="13"/>
+          </p:nvPr>
+        </p:nvSpPr>
+        <p:spPr>
+          <a:xfrm>
+            <a:off x="6338316" y="2313433"/>
+            <a:ext cx="4270248" cy="704087"/>
+          </a:xfrm>
+        </p:spPr>
+        <p:txBody>
+          <a:bodyPr anchor="b" anchorCtr="1">
+            <a:normAutofit/>
+          </a:bodyPr>
+          <a:lstStyle>
+            <a:lvl1pPr marL="0" indent="0" algn="ctr">
+              <a:buNone/>
+              <a:defRPr sz="1900" b="0" cap="all" spc="100" baseline="0">
+                <a:solidFill>
+                  <a:schemeClr val="accent2">
+                    <a:lumMod val="75000"/>
+                  </a:schemeClr>
+                </a:solidFill>
+              </a:defRPr>
             </a:lvl1pPr>
             <a:lvl2pPr marL="457200" indent="0">
               <a:buNone/>
-              <a:defRPr sz="2000" b="1"/>
+              <a:defRPr sz="1900" b="1"/>
             </a:lvl2pPr>
             <a:lvl3pPr marL="914400" indent="0">
               <a:buNone/>
@@ -1735,75 +1642,7 @@
       </p:sp>
       <p:sp>
         <p:nvSpPr>
-          <p:cNvPr id="6" name="Content Placeholder 5">
-            <a:extLst>
-              <a:ext uri="{FF2B5EF4-FFF2-40B4-BE49-F238E27FC236}">
-                <a16:creationId xmlns:a16="http://schemas.microsoft.com/office/drawing/2014/main" id="{05FF1287-4061-5F4F-B2A9-F2A9F5D59947}"/>
-              </a:ext>
-            </a:extLst>
-          </p:cNvPr>
-          <p:cNvSpPr>
-            <a:spLocks noGrp="1"/>
-          </p:cNvSpPr>
-          <p:nvPr>
-            <p:ph sz="quarter" idx="4"/>
-          </p:nvPr>
-        </p:nvSpPr>
-        <p:spPr>
-          <a:xfrm>
-            <a:off x="6172200" y="2505075"/>
-            <a:ext cx="5183188" cy="3684588"/>
-          </a:xfrm>
-        </p:spPr>
-        <p:txBody>
-          <a:bodyPr/>
-          <a:lstStyle/>
-          <a:p>
-            <a:pPr lvl="0"/>
-            <a:r>
-              <a:rPr lang="en-US"/>
-              <a:t>Click to edit Master text styles</a:t>
-            </a:r>
-          </a:p>
-          <a:p>
-            <a:pPr lvl="1"/>
-            <a:r>
-              <a:rPr lang="en-US"/>
-              <a:t>Second level</a:t>
-            </a:r>
-          </a:p>
-          <a:p>
-            <a:pPr lvl="2"/>
-            <a:r>
-              <a:rPr lang="en-US"/>
-              <a:t>Third level</a:t>
-            </a:r>
-          </a:p>
-          <a:p>
-            <a:pPr lvl="3"/>
-            <a:r>
-              <a:rPr lang="en-US"/>
-              <a:t>Fourth level</a:t>
-            </a:r>
-          </a:p>
-          <a:p>
-            <a:pPr lvl="4"/>
-            <a:r>
-              <a:rPr lang="en-US"/>
-              <a:t>Fifth level</a:t>
-            </a:r>
-          </a:p>
-        </p:txBody>
-      </p:sp>
-      <p:sp>
-        <p:nvSpPr>
-          <p:cNvPr id="7" name="Date Placeholder 6">
-            <a:extLst>
-              <a:ext uri="{FF2B5EF4-FFF2-40B4-BE49-F238E27FC236}">
-                <a16:creationId xmlns:a16="http://schemas.microsoft.com/office/drawing/2014/main" id="{7B55E240-78CC-D144-B360-3264311DD434}"/>
-              </a:ext>
-            </a:extLst>
-          </p:cNvPr>
+          <p:cNvPr id="7" name="Date Placeholder 6"/>
           <p:cNvSpPr>
             <a:spLocks noGrp="1"/>
           </p:cNvSpPr>
@@ -1826,13 +1665,7 @@
       </p:sp>
       <p:sp>
         <p:nvSpPr>
-          <p:cNvPr id="8" name="Footer Placeholder 7">
-            <a:extLst>
-              <a:ext uri="{FF2B5EF4-FFF2-40B4-BE49-F238E27FC236}">
-                <a16:creationId xmlns:a16="http://schemas.microsoft.com/office/drawing/2014/main" id="{4ACCA687-644D-EF4A-8916-B8667D3C60EC}"/>
-              </a:ext>
-            </a:extLst>
-          </p:cNvPr>
+          <p:cNvPr id="8" name="Footer Placeholder 7"/>
           <p:cNvSpPr>
             <a:spLocks noGrp="1"/>
           </p:cNvSpPr>
@@ -1851,13 +1684,7 @@
       </p:sp>
       <p:sp>
         <p:nvSpPr>
-          <p:cNvPr id="9" name="Slide Number Placeholder 8">
-            <a:extLst>
-              <a:ext uri="{FF2B5EF4-FFF2-40B4-BE49-F238E27FC236}">
-                <a16:creationId xmlns:a16="http://schemas.microsoft.com/office/drawing/2014/main" id="{852A231D-86A6-394D-91D7-64F2FCB93E4D}"/>
-              </a:ext>
-            </a:extLst>
-          </p:cNvPr>
+          <p:cNvPr id="9" name="Slide Number Placeholder 8"/>
           <p:cNvSpPr>
             <a:spLocks noGrp="1"/>
           </p:cNvSpPr>
@@ -1878,10 +1705,33 @@
           </a:p>
         </p:txBody>
       </p:sp>
+      <p:sp>
+        <p:nvSpPr>
+          <p:cNvPr id="10" name="Title 9"/>
+          <p:cNvSpPr>
+            <a:spLocks noGrp="1"/>
+          </p:cNvSpPr>
+          <p:nvPr>
+            <p:ph type="title"/>
+          </p:nvPr>
+        </p:nvSpPr>
+        <p:spPr/>
+        <p:txBody>
+          <a:bodyPr/>
+          <a:lstStyle/>
+          <a:p>
+            <a:r>
+              <a:rPr lang="en-US"/>
+              <a:t>Click to edit Master title style</a:t>
+            </a:r>
+            <a:endParaRPr lang="en-US" dirty="0"/>
+          </a:p>
+        </p:txBody>
+      </p:sp>
     </p:spTree>
     <p:extLst>
       <p:ext uri="{BB962C8B-B14F-4D97-AF65-F5344CB8AC3E}">
-        <p14:creationId xmlns:p14="http://schemas.microsoft.com/office/powerpoint/2010/main" val="3981356764"/>
+        <p14:creationId xmlns:p14="http://schemas.microsoft.com/office/powerpoint/2010/main" val="1055605472"/>
       </p:ext>
     </p:extLst>
   </p:cSld>
@@ -1910,13 +1760,7 @@
       </p:grpSpPr>
       <p:sp>
         <p:nvSpPr>
-          <p:cNvPr id="2" name="Title 1">
-            <a:extLst>
-              <a:ext uri="{FF2B5EF4-FFF2-40B4-BE49-F238E27FC236}">
-                <a16:creationId xmlns:a16="http://schemas.microsoft.com/office/drawing/2014/main" id="{AC3E1619-20E1-994D-833D-15A9851DB4B7}"/>
-              </a:ext>
-            </a:extLst>
-          </p:cNvPr>
+          <p:cNvPr id="2" name="Title 1"/>
           <p:cNvSpPr>
             <a:spLocks noGrp="1"/>
           </p:cNvSpPr>
@@ -1933,18 +1777,13 @@
               <a:rPr lang="en-US"/>
               <a:t>Click to edit Master title style</a:t>
             </a:r>
-          </a:p>
-        </p:txBody>
-      </p:sp>
-      <p:sp>
-        <p:nvSpPr>
-          <p:cNvPr id="3" name="Date Placeholder 2">
-            <a:extLst>
-              <a:ext uri="{FF2B5EF4-FFF2-40B4-BE49-F238E27FC236}">
-                <a16:creationId xmlns:a16="http://schemas.microsoft.com/office/drawing/2014/main" id="{A80DC9E5-DEB1-9348-B42F-F095765DBA71}"/>
-              </a:ext>
-            </a:extLst>
-          </p:cNvPr>
+            <a:endParaRPr lang="en-US" dirty="0"/>
+          </a:p>
+        </p:txBody>
+      </p:sp>
+      <p:sp>
+        <p:nvSpPr>
+          <p:cNvPr id="3" name="Date Placeholder 2"/>
           <p:cNvSpPr>
             <a:spLocks noGrp="1"/>
           </p:cNvSpPr>
@@ -1967,13 +1806,7 @@
       </p:sp>
       <p:sp>
         <p:nvSpPr>
-          <p:cNvPr id="4" name="Footer Placeholder 3">
-            <a:extLst>
-              <a:ext uri="{FF2B5EF4-FFF2-40B4-BE49-F238E27FC236}">
-                <a16:creationId xmlns:a16="http://schemas.microsoft.com/office/drawing/2014/main" id="{D57E4ECD-4DE6-8647-BDB8-42A5E8E368A4}"/>
-              </a:ext>
-            </a:extLst>
-          </p:cNvPr>
+          <p:cNvPr id="4" name="Footer Placeholder 3"/>
           <p:cNvSpPr>
             <a:spLocks noGrp="1"/>
           </p:cNvSpPr>
@@ -1992,13 +1825,7 @@
       </p:sp>
       <p:sp>
         <p:nvSpPr>
-          <p:cNvPr id="5" name="Slide Number Placeholder 4">
-            <a:extLst>
-              <a:ext uri="{FF2B5EF4-FFF2-40B4-BE49-F238E27FC236}">
-                <a16:creationId xmlns:a16="http://schemas.microsoft.com/office/drawing/2014/main" id="{DBC3773E-F2F2-1D4D-A7E1-2867DD005B21}"/>
-              </a:ext>
-            </a:extLst>
-          </p:cNvPr>
+          <p:cNvPr id="5" name="Slide Number Placeholder 4"/>
           <p:cNvSpPr>
             <a:spLocks noGrp="1"/>
           </p:cNvSpPr>
@@ -2022,7 +1849,7 @@
     </p:spTree>
     <p:extLst>
       <p:ext uri="{BB962C8B-B14F-4D97-AF65-F5344CB8AC3E}">
-        <p14:creationId xmlns:p14="http://schemas.microsoft.com/office/powerpoint/2010/main" val="1716320654"/>
+        <p14:creationId xmlns:p14="http://schemas.microsoft.com/office/powerpoint/2010/main" val="920864780"/>
       </p:ext>
     </p:extLst>
   </p:cSld>
@@ -2051,13 +1878,7 @@
       </p:grpSpPr>
       <p:sp>
         <p:nvSpPr>
-          <p:cNvPr id="2" name="Date Placeholder 1">
-            <a:extLst>
-              <a:ext uri="{FF2B5EF4-FFF2-40B4-BE49-F238E27FC236}">
-                <a16:creationId xmlns:a16="http://schemas.microsoft.com/office/drawing/2014/main" id="{7473F952-088A-7F4B-8DBF-046842D3AE36}"/>
-              </a:ext>
-            </a:extLst>
-          </p:cNvPr>
+          <p:cNvPr id="2" name="Date Placeholder 1"/>
           <p:cNvSpPr>
             <a:spLocks noGrp="1"/>
           </p:cNvSpPr>
@@ -2080,13 +1901,7 @@
       </p:sp>
       <p:sp>
         <p:nvSpPr>
-          <p:cNvPr id="3" name="Footer Placeholder 2">
-            <a:extLst>
-              <a:ext uri="{FF2B5EF4-FFF2-40B4-BE49-F238E27FC236}">
-                <a16:creationId xmlns:a16="http://schemas.microsoft.com/office/drawing/2014/main" id="{64368A9E-15F2-DB42-9189-18F624BDA62D}"/>
-              </a:ext>
-            </a:extLst>
-          </p:cNvPr>
+          <p:cNvPr id="3" name="Footer Placeholder 2"/>
           <p:cNvSpPr>
             <a:spLocks noGrp="1"/>
           </p:cNvSpPr>
@@ -2105,13 +1920,7 @@
       </p:sp>
       <p:sp>
         <p:nvSpPr>
-          <p:cNvPr id="4" name="Slide Number Placeholder 3">
-            <a:extLst>
-              <a:ext uri="{FF2B5EF4-FFF2-40B4-BE49-F238E27FC236}">
-                <a16:creationId xmlns:a16="http://schemas.microsoft.com/office/drawing/2014/main" id="{D8176EF8-29BE-C849-A0C2-E7EDE0915BB7}"/>
-              </a:ext>
-            </a:extLst>
-          </p:cNvPr>
+          <p:cNvPr id="4" name="Slide Number Placeholder 3"/>
           <p:cNvSpPr>
             <a:spLocks noGrp="1"/>
           </p:cNvSpPr>
@@ -2135,7 +1944,7 @@
     </p:spTree>
     <p:extLst>
       <p:ext uri="{BB962C8B-B14F-4D97-AF65-F5344CB8AC3E}">
-        <p14:creationId xmlns:p14="http://schemas.microsoft.com/office/powerpoint/2010/main" val="2133596514"/>
+        <p14:creationId xmlns:p14="http://schemas.microsoft.com/office/powerpoint/2010/main" val="3271021743"/>
       </p:ext>
     </p:extLst>
   </p:cSld>
@@ -2164,159 +1973,223 @@
       </p:grpSpPr>
       <p:sp>
         <p:nvSpPr>
-          <p:cNvPr id="2" name="Title 1">
-            <a:extLst>
-              <a:ext uri="{FF2B5EF4-FFF2-40B4-BE49-F238E27FC236}">
-                <a16:creationId xmlns:a16="http://schemas.microsoft.com/office/drawing/2014/main" id="{C79CED8F-E802-E748-AD6C-D56F6658AAD4}"/>
-              </a:ext>
-            </a:extLst>
-          </p:cNvPr>
-          <p:cNvSpPr>
-            <a:spLocks noGrp="1"/>
-          </p:cNvSpPr>
-          <p:nvPr>
-            <p:ph type="title"/>
-          </p:nvPr>
+          <p:cNvPr id="26" name="Rectangle 25"/>
+          <p:cNvSpPr/>
+          <p:nvPr/>
         </p:nvSpPr>
         <p:spPr>
           <a:xfrm>
-            <a:off x="839788" y="457200"/>
-            <a:ext cx="3932237" cy="1600200"/>
+            <a:off x="0" y="0"/>
+            <a:ext cx="6096000" cy="6858000"/>
+          </a:xfrm>
+          <a:prstGeom prst="rect">
+            <a:avLst/>
+          </a:prstGeom>
+          <a:solidFill>
+            <a:schemeClr val="accent2"/>
+          </a:solidFill>
+          <a:ln>
+            <a:noFill/>
+          </a:ln>
+        </p:spPr>
+        <p:style>
+          <a:lnRef idx="2">
+            <a:schemeClr val="accent1">
+              <a:shade val="50000"/>
+            </a:schemeClr>
+          </a:lnRef>
+          <a:fillRef idx="1">
+            <a:schemeClr val="accent1"/>
+          </a:fillRef>
+          <a:effectRef idx="0">
+            <a:schemeClr val="accent1"/>
+          </a:effectRef>
+          <a:fontRef idx="minor">
+            <a:schemeClr val="lt1"/>
+          </a:fontRef>
+        </p:style>
+      </p:sp>
+      <p:sp>
+        <p:nvSpPr>
+          <p:cNvPr id="2" name="Title 1"/>
+          <p:cNvSpPr>
+            <a:spLocks noGrp="1"/>
+          </p:cNvSpPr>
+          <p:nvPr>
+            <p:ph type="title"/>
+          </p:nvPr>
+        </p:nvSpPr>
+        <p:spPr bwMode="blackWhite">
+          <a:xfrm>
+            <a:off x="804672" y="2243828"/>
+            <a:ext cx="4486656" cy="1141497"/>
+          </a:xfrm>
+          <a:solidFill>
+            <a:srgbClr val="FFFFFF"/>
+          </a:solidFill>
+          <a:ln>
+            <a:solidFill>
+              <a:srgbClr val="404040"/>
+            </a:solidFill>
+          </a:ln>
+        </p:spPr>
+        <p:txBody>
+          <a:bodyPr anchor="ctr" anchorCtr="1">
+            <a:normAutofit/>
+          </a:bodyPr>
+          <a:lstStyle>
+            <a:lvl1pPr>
+              <a:defRPr sz="2200">
+                <a:solidFill>
+                  <a:srgbClr val="262626"/>
+                </a:solidFill>
+              </a:defRPr>
+            </a:lvl1pPr>
+          </a:lstStyle>
+          <a:p>
+            <a:r>
+              <a:rPr lang="en-US"/>
+              <a:t>Click to edit Master title style</a:t>
+            </a:r>
+            <a:endParaRPr lang="en-US" dirty="0"/>
+          </a:p>
+        </p:txBody>
+      </p:sp>
+      <p:sp>
+        <p:nvSpPr>
+          <p:cNvPr id="3" name="Content Placeholder 2"/>
+          <p:cNvSpPr>
+            <a:spLocks noGrp="1"/>
+          </p:cNvSpPr>
+          <p:nvPr>
+            <p:ph idx="1"/>
+          </p:nvPr>
+        </p:nvSpPr>
+        <p:spPr>
+          <a:xfrm>
+            <a:off x="6736080" y="804672"/>
+            <a:ext cx="4815840" cy="5248656"/>
           </a:xfrm>
         </p:spPr>
         <p:txBody>
-          <a:bodyPr anchor="b"/>
+          <a:bodyPr>
+            <a:normAutofit/>
+          </a:bodyPr>
           <a:lstStyle>
             <a:lvl1pPr>
-              <a:defRPr sz="3200"/>
+              <a:defRPr sz="1900">
+                <a:solidFill>
+                  <a:schemeClr val="tx1"/>
+                </a:solidFill>
+              </a:defRPr>
             </a:lvl1pPr>
+            <a:lvl2pPr>
+              <a:defRPr sz="1600">
+                <a:solidFill>
+                  <a:schemeClr val="tx1"/>
+                </a:solidFill>
+              </a:defRPr>
+            </a:lvl2pPr>
+            <a:lvl3pPr>
+              <a:defRPr sz="1600">
+                <a:solidFill>
+                  <a:schemeClr val="tx1"/>
+                </a:solidFill>
+              </a:defRPr>
+            </a:lvl3pPr>
+            <a:lvl4pPr>
+              <a:defRPr sz="1600">
+                <a:solidFill>
+                  <a:schemeClr val="tx1"/>
+                </a:solidFill>
+              </a:defRPr>
+            </a:lvl4pPr>
+            <a:lvl5pPr>
+              <a:defRPr sz="1600">
+                <a:solidFill>
+                  <a:schemeClr val="tx1"/>
+                </a:solidFill>
+              </a:defRPr>
+            </a:lvl5pPr>
+            <a:lvl6pPr>
+              <a:defRPr sz="1600"/>
+            </a:lvl6pPr>
+            <a:lvl7pPr>
+              <a:defRPr sz="1600"/>
+            </a:lvl7pPr>
+            <a:lvl8pPr>
+              <a:defRPr sz="1600"/>
+            </a:lvl8pPr>
+            <a:lvl9pPr>
+              <a:defRPr sz="1600"/>
+            </a:lvl9pPr>
           </a:lstStyle>
           <a:p>
-            <a:r>
-              <a:rPr lang="en-US"/>
-              <a:t>Click to edit Master title style</a:t>
-            </a:r>
-          </a:p>
-        </p:txBody>
-      </p:sp>
-      <p:sp>
-        <p:nvSpPr>
-          <p:cNvPr id="3" name="Content Placeholder 2">
-            <a:extLst>
-              <a:ext uri="{FF2B5EF4-FFF2-40B4-BE49-F238E27FC236}">
-                <a16:creationId xmlns:a16="http://schemas.microsoft.com/office/drawing/2014/main" id="{23B86C39-32B4-704B-BD49-625DA96F478B}"/>
-              </a:ext>
-            </a:extLst>
-          </p:cNvPr>
-          <p:cNvSpPr>
-            <a:spLocks noGrp="1"/>
-          </p:cNvSpPr>
-          <p:nvPr>
-            <p:ph idx="1"/>
+            <a:pPr lvl="0"/>
+            <a:r>
+              <a:rPr lang="en-US"/>
+              <a:t>Click to edit Master text styles</a:t>
+            </a:r>
+          </a:p>
+          <a:p>
+            <a:pPr lvl="1"/>
+            <a:r>
+              <a:rPr lang="en-US"/>
+              <a:t>Second level</a:t>
+            </a:r>
+          </a:p>
+          <a:p>
+            <a:pPr lvl="2"/>
+            <a:r>
+              <a:rPr lang="en-US"/>
+              <a:t>Third level</a:t>
+            </a:r>
+          </a:p>
+          <a:p>
+            <a:pPr lvl="3"/>
+            <a:r>
+              <a:rPr lang="en-US"/>
+              <a:t>Fourth level</a:t>
+            </a:r>
+          </a:p>
+          <a:p>
+            <a:pPr lvl="4"/>
+            <a:r>
+              <a:rPr lang="en-US"/>
+              <a:t>Fifth level</a:t>
+            </a:r>
+            <a:endParaRPr lang="en-US" dirty="0"/>
+          </a:p>
+        </p:txBody>
+      </p:sp>
+      <p:sp>
+        <p:nvSpPr>
+          <p:cNvPr id="4" name="Text Placeholder 3"/>
+          <p:cNvSpPr>
+            <a:spLocks noGrp="1"/>
+          </p:cNvSpPr>
+          <p:nvPr>
+            <p:ph type="body" sz="half" idx="2"/>
           </p:nvPr>
         </p:nvSpPr>
         <p:spPr>
           <a:xfrm>
-            <a:off x="5183188" y="987425"/>
-            <a:ext cx="6172200" cy="4873625"/>
+            <a:off x="1115568" y="3549918"/>
+            <a:ext cx="3794760" cy="2194036"/>
           </a:xfrm>
         </p:spPr>
         <p:txBody>
-          <a:bodyPr/>
+          <a:bodyPr anchor="t" anchorCtr="1">
+            <a:normAutofit/>
+          </a:bodyPr>
           <a:lstStyle>
-            <a:lvl1pPr>
-              <a:defRPr sz="3200"/>
-            </a:lvl1pPr>
-            <a:lvl2pPr>
-              <a:defRPr sz="2800"/>
-            </a:lvl2pPr>
-            <a:lvl3pPr>
-              <a:defRPr sz="2400"/>
-            </a:lvl3pPr>
-            <a:lvl4pPr>
-              <a:defRPr sz="2000"/>
-            </a:lvl4pPr>
-            <a:lvl5pPr>
-              <a:defRPr sz="2000"/>
-            </a:lvl5pPr>
-            <a:lvl6pPr>
-              <a:defRPr sz="2000"/>
-            </a:lvl6pPr>
-            <a:lvl7pPr>
-              <a:defRPr sz="2000"/>
-            </a:lvl7pPr>
-            <a:lvl8pPr>
-              <a:defRPr sz="2000"/>
-            </a:lvl8pPr>
-            <a:lvl9pPr>
-              <a:defRPr sz="2000"/>
-            </a:lvl9pPr>
-          </a:lstStyle>
-          <a:p>
-            <a:pPr lvl="0"/>
-            <a:r>
-              <a:rPr lang="en-US"/>
-              <a:t>Click to edit Master text styles</a:t>
-            </a:r>
-          </a:p>
-          <a:p>
-            <a:pPr lvl="1"/>
-            <a:r>
-              <a:rPr lang="en-US"/>
-              <a:t>Second level</a:t>
-            </a:r>
-          </a:p>
-          <a:p>
-            <a:pPr lvl="2"/>
-            <a:r>
-              <a:rPr lang="en-US"/>
-              <a:t>Third level</a:t>
-            </a:r>
-          </a:p>
-          <a:p>
-            <a:pPr lvl="3"/>
-            <a:r>
-              <a:rPr lang="en-US"/>
-              <a:t>Fourth level</a:t>
-            </a:r>
-          </a:p>
-          <a:p>
-            <a:pPr lvl="4"/>
-            <a:r>
-              <a:rPr lang="en-US"/>
-              <a:t>Fifth level</a:t>
-            </a:r>
-          </a:p>
-        </p:txBody>
-      </p:sp>
-      <p:sp>
-        <p:nvSpPr>
-          <p:cNvPr id="4" name="Text Placeholder 3">
-            <a:extLst>
-              <a:ext uri="{FF2B5EF4-FFF2-40B4-BE49-F238E27FC236}">
-                <a16:creationId xmlns:a16="http://schemas.microsoft.com/office/drawing/2014/main" id="{56A98DC1-D242-E746-9DD0-7426E610EE74}"/>
-              </a:ext>
-            </a:extLst>
-          </p:cNvPr>
-          <p:cNvSpPr>
-            <a:spLocks noGrp="1"/>
-          </p:cNvSpPr>
-          <p:nvPr>
-            <p:ph type="body" sz="half" idx="2"/>
-          </p:nvPr>
-        </p:nvSpPr>
-        <p:spPr>
-          <a:xfrm>
-            <a:off x="839788" y="2057400"/>
-            <a:ext cx="3932237" cy="3811588"/>
-          </a:xfrm>
-        </p:spPr>
-        <p:txBody>
-          <a:bodyPr/>
-          <a:lstStyle>
-            <a:lvl1pPr marL="0" indent="0">
-              <a:buNone/>
-              <a:defRPr sz="1600"/>
+            <a:lvl1pPr marL="0" indent="0" algn="ctr">
+              <a:buNone/>
+              <a:defRPr sz="1500">
+                <a:solidFill>
+                  <a:srgbClr val="FFFFFF"/>
+                </a:solidFill>
+              </a:defRPr>
             </a:lvl1pPr>
             <a:lvl2pPr marL="457200" indent="0">
               <a:buNone/>
@@ -2362,13 +2235,7 @@
       </p:sp>
       <p:sp>
         <p:nvSpPr>
-          <p:cNvPr id="5" name="Date Placeholder 4">
-            <a:extLst>
-              <a:ext uri="{FF2B5EF4-FFF2-40B4-BE49-F238E27FC236}">
-                <a16:creationId xmlns:a16="http://schemas.microsoft.com/office/drawing/2014/main" id="{C0A1615F-7432-F943-BF38-EF4196FB9496}"/>
-              </a:ext>
-            </a:extLst>
-          </p:cNvPr>
+          <p:cNvPr id="9" name="Date Placeholder 8"/>
           <p:cNvSpPr>
             <a:spLocks noGrp="1"/>
           </p:cNvSpPr>
@@ -2391,13 +2258,7 @@
       </p:sp>
       <p:sp>
         <p:nvSpPr>
-          <p:cNvPr id="6" name="Footer Placeholder 5">
-            <a:extLst>
-              <a:ext uri="{FF2B5EF4-FFF2-40B4-BE49-F238E27FC236}">
-                <a16:creationId xmlns:a16="http://schemas.microsoft.com/office/drawing/2014/main" id="{25EA486E-C822-294B-A293-814F5D5BA787}"/>
-              </a:ext>
-            </a:extLst>
-          </p:cNvPr>
+          <p:cNvPr id="10" name="Footer Placeholder 9"/>
           <p:cNvSpPr>
             <a:spLocks noGrp="1"/>
           </p:cNvSpPr>
@@ -2405,10 +2266,25 @@
             <p:ph type="ftr" sz="quarter" idx="11"/>
           </p:nvPr>
         </p:nvSpPr>
-        <p:spPr/>
-        <p:txBody>
-          <a:bodyPr/>
-          <a:lstStyle/>
+        <p:spPr>
+          <a:xfrm>
+            <a:off x="804672" y="6236208"/>
+            <a:ext cx="5124797" cy="320040"/>
+          </a:xfrm>
+        </p:spPr>
+        <p:txBody>
+          <a:bodyPr/>
+          <a:lstStyle>
+            <a:lvl1pPr>
+              <a:defRPr>
+                <a:solidFill>
+                  <a:srgbClr val="FFFFFF">
+                    <a:alpha val="70000"/>
+                  </a:srgbClr>
+                </a:solidFill>
+              </a:defRPr>
+            </a:lvl1pPr>
+          </a:lstStyle>
           <a:p>
             <a:endParaRPr lang="en-US"/>
           </a:p>
@@ -2416,13 +2292,7 @@
       </p:sp>
       <p:sp>
         <p:nvSpPr>
-          <p:cNvPr id="7" name="Slide Number Placeholder 6">
-            <a:extLst>
-              <a:ext uri="{FF2B5EF4-FFF2-40B4-BE49-F238E27FC236}">
-                <a16:creationId xmlns:a16="http://schemas.microsoft.com/office/drawing/2014/main" id="{6D4E9E30-3CC0-AC45-B167-A35022DCC106}"/>
-              </a:ext>
-            </a:extLst>
-          </p:cNvPr>
+          <p:cNvPr id="11" name="Slide Number Placeholder 10"/>
           <p:cNvSpPr>
             <a:spLocks noGrp="1"/>
           </p:cNvSpPr>
@@ -2446,7 +2316,7 @@
     </p:spTree>
     <p:extLst>
       <p:ext uri="{BB962C8B-B14F-4D97-AF65-F5344CB8AC3E}">
-        <p14:creationId xmlns:p14="http://schemas.microsoft.com/office/powerpoint/2010/main" val="1659683073"/>
+        <p14:creationId xmlns:p14="http://schemas.microsoft.com/office/powerpoint/2010/main" val="190925912"/>
       </p:ext>
     </p:extLst>
   </p:cSld>
@@ -2475,31 +2345,77 @@
       </p:grpSpPr>
       <p:sp>
         <p:nvSpPr>
-          <p:cNvPr id="2" name="Title 1">
-            <a:extLst>
-              <a:ext uri="{FF2B5EF4-FFF2-40B4-BE49-F238E27FC236}">
-                <a16:creationId xmlns:a16="http://schemas.microsoft.com/office/drawing/2014/main" id="{FC753FD1-6403-7640-A2D4-A2CB33DC8373}"/>
-              </a:ext>
-            </a:extLst>
-          </p:cNvPr>
-          <p:cNvSpPr>
-            <a:spLocks noGrp="1"/>
-          </p:cNvSpPr>
-          <p:nvPr>
-            <p:ph type="title"/>
-          </p:nvPr>
+          <p:cNvPr id="18" name="Rectangle 17"/>
+          <p:cNvSpPr/>
+          <p:nvPr/>
         </p:nvSpPr>
         <p:spPr>
           <a:xfrm>
-            <a:off x="839788" y="457200"/>
-            <a:ext cx="3932237" cy="1600200"/>
+            <a:off x="0" y="0"/>
+            <a:ext cx="6095999" cy="6858000"/>
           </a:xfrm>
+          <a:prstGeom prst="rect">
+            <a:avLst/>
+          </a:prstGeom>
+          <a:solidFill>
+            <a:schemeClr val="accent2"/>
+          </a:solidFill>
+          <a:ln>
+            <a:noFill/>
+          </a:ln>
         </p:spPr>
-        <p:txBody>
-          <a:bodyPr anchor="b"/>
+        <p:style>
+          <a:lnRef idx="2">
+            <a:schemeClr val="accent1">
+              <a:shade val="50000"/>
+            </a:schemeClr>
+          </a:lnRef>
+          <a:fillRef idx="1">
+            <a:schemeClr val="accent1"/>
+          </a:fillRef>
+          <a:effectRef idx="0">
+            <a:schemeClr val="accent1"/>
+          </a:effectRef>
+          <a:fontRef idx="minor">
+            <a:schemeClr val="lt1"/>
+          </a:fontRef>
+        </p:style>
+      </p:sp>
+      <p:sp>
+        <p:nvSpPr>
+          <p:cNvPr id="2" name="Title 1"/>
+          <p:cNvSpPr>
+            <a:spLocks noGrp="1"/>
+          </p:cNvSpPr>
+          <p:nvPr>
+            <p:ph type="title"/>
+          </p:nvPr>
+        </p:nvSpPr>
+        <p:spPr bwMode="blackWhite">
+          <a:xfrm>
+            <a:off x="808523" y="2243828"/>
+            <a:ext cx="4494998" cy="1134640"/>
+          </a:xfrm>
+          <a:solidFill>
+            <a:srgbClr val="FFFFFF"/>
+          </a:solidFill>
+          <a:ln>
+            <a:solidFill>
+              <a:srgbClr val="404040"/>
+            </a:solidFill>
+          </a:ln>
+        </p:spPr>
+        <p:txBody>
+          <a:bodyPr anchor="ctr" anchorCtr="1">
+            <a:noAutofit/>
+          </a:bodyPr>
           <a:lstStyle>
             <a:lvl1pPr>
-              <a:defRPr sz="3200"/>
+              <a:defRPr sz="2200">
+                <a:solidFill>
+                  <a:srgbClr val="262626"/>
+                </a:solidFill>
+              </a:defRPr>
             </a:lvl1pPr>
           </a:lstStyle>
           <a:p>
@@ -2507,20 +2423,15 @@
               <a:rPr lang="en-US"/>
               <a:t>Click to edit Master title style</a:t>
             </a:r>
-          </a:p>
-        </p:txBody>
-      </p:sp>
-      <p:sp>
-        <p:nvSpPr>
-          <p:cNvPr id="3" name="Picture Placeholder 2">
-            <a:extLst>
-              <a:ext uri="{FF2B5EF4-FFF2-40B4-BE49-F238E27FC236}">
-                <a16:creationId xmlns:a16="http://schemas.microsoft.com/office/drawing/2014/main" id="{078D2335-0570-3549-8A32-CC2CB2A0950C}"/>
-              </a:ext>
-            </a:extLst>
-          </p:cNvPr>
-          <p:cNvSpPr>
-            <a:spLocks noGrp="1"/>
+            <a:endParaRPr lang="en-US" dirty="0"/>
+          </a:p>
+        </p:txBody>
+      </p:sp>
+      <p:sp>
+        <p:nvSpPr>
+          <p:cNvPr id="3" name="Picture Placeholder 2"/>
+          <p:cNvSpPr>
+            <a:spLocks noGrp="1" noChangeAspect="1"/>
           </p:cNvSpPr>
           <p:nvPr>
             <p:ph type="pic" idx="1"/>
@@ -2528,16 +2439,28 @@
         </p:nvSpPr>
         <p:spPr>
           <a:xfrm>
-            <a:off x="5183188" y="987425"/>
-            <a:ext cx="6172200" cy="4873625"/>
+            <a:off x="6095999" y="0"/>
+            <a:ext cx="6102097" cy="6858000"/>
           </a:xfrm>
+          <a:solidFill>
+            <a:schemeClr val="bg1">
+              <a:lumMod val="75000"/>
+            </a:schemeClr>
+          </a:solidFill>
         </p:spPr>
         <p:txBody>
-          <a:bodyPr/>
+          <a:bodyPr anchor="t"/>
           <a:lstStyle>
             <a:lvl1pPr marL="0" indent="0">
               <a:buNone/>
-              <a:defRPr sz="3200"/>
+              <a:defRPr sz="3200">
+                <a:solidFill>
+                  <a:schemeClr val="bg1">
+                    <a:lumMod val="85000"/>
+                    <a:lumOff val="15000"/>
+                  </a:schemeClr>
+                </a:solidFill>
+              </a:defRPr>
             </a:lvl1pPr>
             <a:lvl2pPr marL="457200" indent="0">
               <a:buNone/>
@@ -2573,19 +2496,17 @@
             </a:lvl9pPr>
           </a:lstStyle>
           <a:p>
-            <a:endParaRPr lang="en-US"/>
-          </a:p>
-        </p:txBody>
-      </p:sp>
-      <p:sp>
-        <p:nvSpPr>
-          <p:cNvPr id="4" name="Text Placeholder 3">
-            <a:extLst>
-              <a:ext uri="{FF2B5EF4-FFF2-40B4-BE49-F238E27FC236}">
-                <a16:creationId xmlns:a16="http://schemas.microsoft.com/office/drawing/2014/main" id="{D0154D6A-4952-2A4F-B653-4518F453D28F}"/>
-              </a:ext>
-            </a:extLst>
-          </p:cNvPr>
+            <a:r>
+              <a:rPr lang="en-US"/>
+              <a:t>Click icon to add picture</a:t>
+            </a:r>
+            <a:endParaRPr lang="en-US" dirty="0"/>
+          </a:p>
+        </p:txBody>
+      </p:sp>
+      <p:sp>
+        <p:nvSpPr>
+          <p:cNvPr id="4" name="Text Placeholder 3"/>
           <p:cNvSpPr>
             <a:spLocks noGrp="1"/>
           </p:cNvSpPr>
@@ -2595,16 +2516,22 @@
         </p:nvSpPr>
         <p:spPr>
           <a:xfrm>
-            <a:off x="839788" y="2057400"/>
-            <a:ext cx="3932237" cy="3811588"/>
+            <a:off x="1115568" y="3549918"/>
+            <a:ext cx="3794760" cy="2194037"/>
           </a:xfrm>
         </p:spPr>
         <p:txBody>
-          <a:bodyPr/>
+          <a:bodyPr anchor="t" anchorCtr="1">
+            <a:normAutofit/>
+          </a:bodyPr>
           <a:lstStyle>
-            <a:lvl1pPr marL="0" indent="0">
-              <a:buNone/>
-              <a:defRPr sz="1600"/>
+            <a:lvl1pPr marL="0" indent="0" algn="ctr">
+              <a:buNone/>
+              <a:defRPr sz="1500">
+                <a:solidFill>
+                  <a:srgbClr val="FFFFFF"/>
+                </a:solidFill>
+              </a:defRPr>
             </a:lvl1pPr>
             <a:lvl2pPr marL="457200" indent="0">
               <a:buNone/>
@@ -2650,13 +2577,7 @@
       </p:sp>
       <p:sp>
         <p:nvSpPr>
-          <p:cNvPr id="5" name="Date Placeholder 4">
-            <a:extLst>
-              <a:ext uri="{FF2B5EF4-FFF2-40B4-BE49-F238E27FC236}">
-                <a16:creationId xmlns:a16="http://schemas.microsoft.com/office/drawing/2014/main" id="{40075E3D-8D9B-5D40-AF8A-1FF2AAEDE37A}"/>
-              </a:ext>
-            </a:extLst>
-          </p:cNvPr>
+          <p:cNvPr id="8" name="Date Placeholder 7"/>
           <p:cNvSpPr>
             <a:spLocks noGrp="1"/>
           </p:cNvSpPr>
@@ -2667,7 +2588,22 @@
         <p:spPr/>
         <p:txBody>
           <a:bodyPr/>
-          <a:lstStyle/>
+          <a:lstStyle>
+            <a:lvl1pPr>
+              <a:defRPr>
+                <a:solidFill>
+                  <a:srgbClr val="FFFFFF"/>
+                </a:solidFill>
+                <a:effectLst>
+                  <a:outerShdw blurRad="50800" dist="38100" dir="2700000" algn="tl" rotWithShape="0">
+                    <a:prstClr val="black">
+                      <a:alpha val="43000"/>
+                    </a:prstClr>
+                  </a:outerShdw>
+                </a:effectLst>
+              </a:defRPr>
+            </a:lvl1pPr>
+          </a:lstStyle>
           <a:p>
             <a:fld id="{1D652DA0-A234-6A4E-ACDF-AB141B7707A4}" type="datetimeFigureOut">
               <a:rPr lang="en-US" smtClean="0"/>
@@ -2679,13 +2615,7 @@
       </p:sp>
       <p:sp>
         <p:nvSpPr>
-          <p:cNvPr id="6" name="Footer Placeholder 5">
-            <a:extLst>
-              <a:ext uri="{FF2B5EF4-FFF2-40B4-BE49-F238E27FC236}">
-                <a16:creationId xmlns:a16="http://schemas.microsoft.com/office/drawing/2014/main" id="{E20AC530-F582-7D4A-8F1B-CD6FF5611F75}"/>
-              </a:ext>
-            </a:extLst>
-          </p:cNvPr>
+          <p:cNvPr id="9" name="Footer Placeholder 8"/>
           <p:cNvSpPr>
             <a:spLocks noGrp="1"/>
           </p:cNvSpPr>
@@ -2693,10 +2623,25 @@
             <p:ph type="ftr" sz="quarter" idx="11"/>
           </p:nvPr>
         </p:nvSpPr>
-        <p:spPr/>
-        <p:txBody>
-          <a:bodyPr/>
-          <a:lstStyle/>
+        <p:spPr>
+          <a:xfrm>
+            <a:off x="804672" y="6236208"/>
+            <a:ext cx="5124797" cy="320040"/>
+          </a:xfrm>
+        </p:spPr>
+        <p:txBody>
+          <a:bodyPr/>
+          <a:lstStyle>
+            <a:lvl1pPr>
+              <a:defRPr>
+                <a:solidFill>
+                  <a:srgbClr val="FFFFFF">
+                    <a:alpha val="70000"/>
+                  </a:srgbClr>
+                </a:solidFill>
+              </a:defRPr>
+            </a:lvl1pPr>
+          </a:lstStyle>
           <a:p>
             <a:endParaRPr lang="en-US"/>
           </a:p>
@@ -2704,13 +2649,7 @@
       </p:sp>
       <p:sp>
         <p:nvSpPr>
-          <p:cNvPr id="7" name="Slide Number Placeholder 6">
-            <a:extLst>
-              <a:ext uri="{FF2B5EF4-FFF2-40B4-BE49-F238E27FC236}">
-                <a16:creationId xmlns:a16="http://schemas.microsoft.com/office/drawing/2014/main" id="{EB07E855-AFFE-074D-BADC-CABC48503EFC}"/>
-              </a:ext>
-            </a:extLst>
-          </p:cNvPr>
+          <p:cNvPr id="10" name="Slide Number Placeholder 9"/>
           <p:cNvSpPr>
             <a:spLocks noGrp="1"/>
           </p:cNvSpPr>
@@ -2734,7 +2673,7 @@
     </p:spTree>
     <p:extLst>
       <p:ext uri="{BB962C8B-B14F-4D97-AF65-F5344CB8AC3E}">
-        <p14:creationId xmlns:p14="http://schemas.microsoft.com/office/powerpoint/2010/main" val="4049968176"/>
+        <p14:creationId xmlns:p14="http://schemas.microsoft.com/office/powerpoint/2010/main" val="2907041134"/>
       </p:ext>
     </p:extLst>
   </p:cSld>
@@ -2748,9 +2687,14 @@
 <p:sldMaster xmlns:a="http://schemas.openxmlformats.org/drawingml/2006/main" xmlns:r="http://schemas.openxmlformats.org/officeDocument/2006/relationships" xmlns:p="http://schemas.openxmlformats.org/presentationml/2006/main">
   <p:cSld>
     <p:bg>
-      <p:bgRef idx="1001">
-        <a:schemeClr val="bg1"/>
-      </p:bgRef>
+      <p:bgPr>
+        <a:solidFill>
+          <a:schemeClr val="bg1">
+            <a:lumMod val="95000"/>
+          </a:schemeClr>
+        </a:solidFill>
+        <a:effectLst/>
+      </p:bgPr>
     </p:bg>
     <p:spTree>
       <p:nvGrpSpPr>
@@ -2768,129 +2712,163 @@
       </p:grpSpPr>
       <p:sp>
         <p:nvSpPr>
-          <p:cNvPr id="2" name="Title Placeholder 1">
-            <a:extLst>
-              <a:ext uri="{FF2B5EF4-FFF2-40B4-BE49-F238E27FC236}">
-                <a16:creationId xmlns:a16="http://schemas.microsoft.com/office/drawing/2014/main" id="{709EA3AC-E94A-7C47-BAA0-B200A93A5F1B}"/>
-              </a:ext>
-            </a:extLst>
-          </p:cNvPr>
+          <p:cNvPr id="2" name="Title Placeholder 1"/>
           <p:cNvSpPr>
             <a:spLocks noGrp="1"/>
           </p:cNvSpPr>
           <p:nvPr>
             <p:ph type="title"/>
+          </p:nvPr>
+        </p:nvSpPr>
+        <p:spPr bwMode="black">
+          <a:xfrm>
+            <a:off x="2231136" y="964692"/>
+            <a:ext cx="7729728" cy="1188720"/>
+          </a:xfrm>
+          <a:prstGeom prst="rect">
+            <a:avLst/>
+          </a:prstGeom>
+          <a:solidFill>
+            <a:srgbClr val="FFFFFF"/>
+          </a:solidFill>
+          <a:ln w="31750" cap="sq">
+            <a:solidFill>
+              <a:srgbClr val="404040"/>
+            </a:solidFill>
+            <a:miter lim="800000"/>
+          </a:ln>
+        </p:spPr>
+        <p:txBody>
+          <a:bodyPr vert="horz" lIns="182880" tIns="182880" rIns="182880" bIns="182880" rtlCol="0" anchor="ctr">
+            <a:normAutofit/>
+          </a:bodyPr>
+          <a:lstStyle/>
+          <a:p>
+            <a:r>
+              <a:rPr lang="en-US"/>
+              <a:t>Click to edit Master title style</a:t>
+            </a:r>
+            <a:endParaRPr lang="en-US" dirty="0"/>
+          </a:p>
+        </p:txBody>
+      </p:sp>
+      <p:sp>
+        <p:nvSpPr>
+          <p:cNvPr id="3" name="Text Placeholder 2"/>
+          <p:cNvSpPr>
+            <a:spLocks noGrp="1"/>
+          </p:cNvSpPr>
+          <p:nvPr>
+            <p:ph type="body" idx="1"/>
           </p:nvPr>
         </p:nvSpPr>
         <p:spPr>
           <a:xfrm>
-            <a:off x="838200" y="365125"/>
-            <a:ext cx="10515600" cy="1325563"/>
+            <a:off x="2231136" y="2638044"/>
+            <a:ext cx="7729728" cy="3101983"/>
           </a:xfrm>
           <a:prstGeom prst="rect">
             <a:avLst/>
           </a:prstGeom>
         </p:spPr>
         <p:txBody>
-          <a:bodyPr vert="horz" lIns="91440" tIns="45720" rIns="91440" bIns="45720" rtlCol="0" anchor="ctr">
+          <a:bodyPr vert="horz" lIns="91440" tIns="45720" rIns="91440" bIns="45720" rtlCol="0">
             <a:normAutofit/>
           </a:bodyPr>
           <a:lstStyle/>
           <a:p>
-            <a:r>
-              <a:rPr lang="en-US"/>
-              <a:t>Click to edit Master title style</a:t>
-            </a:r>
-          </a:p>
-        </p:txBody>
-      </p:sp>
-      <p:sp>
-        <p:nvSpPr>
-          <p:cNvPr id="3" name="Text Placeholder 2">
-            <a:extLst>
-              <a:ext uri="{FF2B5EF4-FFF2-40B4-BE49-F238E27FC236}">
-                <a16:creationId xmlns:a16="http://schemas.microsoft.com/office/drawing/2014/main" id="{7E67C121-545C-C34E-98D1-14DD3FEB27A5}"/>
-              </a:ext>
-            </a:extLst>
-          </p:cNvPr>
-          <p:cNvSpPr>
-            <a:spLocks noGrp="1"/>
-          </p:cNvSpPr>
-          <p:nvPr>
-            <p:ph type="body" idx="1"/>
+            <a:pPr lvl="0"/>
+            <a:r>
+              <a:rPr lang="en-US"/>
+              <a:t>Click to edit Master text styles</a:t>
+            </a:r>
+          </a:p>
+          <a:p>
+            <a:pPr lvl="1"/>
+            <a:r>
+              <a:rPr lang="en-US"/>
+              <a:t>Second level</a:t>
+            </a:r>
+          </a:p>
+          <a:p>
+            <a:pPr lvl="2"/>
+            <a:r>
+              <a:rPr lang="en-US"/>
+              <a:t>Third level</a:t>
+            </a:r>
+          </a:p>
+          <a:p>
+            <a:pPr lvl="3"/>
+            <a:r>
+              <a:rPr lang="en-US"/>
+              <a:t>Fourth level</a:t>
+            </a:r>
+          </a:p>
+          <a:p>
+            <a:pPr lvl="4"/>
+            <a:r>
+              <a:rPr lang="en-US"/>
+              <a:t>Fifth level</a:t>
+            </a:r>
+            <a:endParaRPr lang="en-US" dirty="0"/>
+          </a:p>
+        </p:txBody>
+      </p:sp>
+      <p:sp>
+        <p:nvSpPr>
+          <p:cNvPr id="4" name="Date Placeholder 3"/>
+          <p:cNvSpPr>
+            <a:spLocks noGrp="1"/>
+          </p:cNvSpPr>
+          <p:nvPr>
+            <p:ph type="dt" sz="half" idx="2"/>
           </p:nvPr>
         </p:nvSpPr>
         <p:spPr>
           <a:xfrm>
-            <a:off x="838200" y="1825625"/>
-            <a:ext cx="10515600" cy="4351338"/>
+            <a:off x="7821429" y="6238816"/>
+            <a:ext cx="2753746" cy="323968"/>
           </a:xfrm>
           <a:prstGeom prst="rect">
             <a:avLst/>
           </a:prstGeom>
         </p:spPr>
         <p:txBody>
-          <a:bodyPr vert="horz" lIns="91440" tIns="45720" rIns="91440" bIns="45720" rtlCol="0">
-            <a:normAutofit/>
-          </a:bodyPr>
-          <a:lstStyle/>
-          <a:p>
-            <a:pPr lvl="0"/>
-            <a:r>
-              <a:rPr lang="en-US"/>
-              <a:t>Click to edit Master text styles</a:t>
-            </a:r>
-          </a:p>
-          <a:p>
-            <a:pPr lvl="1"/>
-            <a:r>
-              <a:rPr lang="en-US"/>
-              <a:t>Second level</a:t>
-            </a:r>
-          </a:p>
-          <a:p>
-            <a:pPr lvl="2"/>
-            <a:r>
-              <a:rPr lang="en-US"/>
-              <a:t>Third level</a:t>
-            </a:r>
-          </a:p>
-          <a:p>
-            <a:pPr lvl="3"/>
-            <a:r>
-              <a:rPr lang="en-US"/>
-              <a:t>Fourth level</a:t>
-            </a:r>
-          </a:p>
-          <a:p>
-            <a:pPr lvl="4"/>
-            <a:r>
-              <a:rPr lang="en-US"/>
-              <a:t>Fifth level</a:t>
-            </a:r>
-          </a:p>
-        </p:txBody>
-      </p:sp>
-      <p:sp>
-        <p:nvSpPr>
-          <p:cNvPr id="4" name="Date Placeholder 3">
-            <a:extLst>
-              <a:ext uri="{FF2B5EF4-FFF2-40B4-BE49-F238E27FC236}">
-                <a16:creationId xmlns:a16="http://schemas.microsoft.com/office/drawing/2014/main" id="{6D9C1C7B-4E5E-7344-BB2C-F0653932B14F}"/>
-              </a:ext>
-            </a:extLst>
-          </p:cNvPr>
-          <p:cNvSpPr>
-            <a:spLocks noGrp="1"/>
-          </p:cNvSpPr>
-          <p:nvPr>
-            <p:ph type="dt" sz="half" idx="2"/>
+          <a:bodyPr vert="horz" lIns="91440" tIns="45720" rIns="91440" bIns="45720" rtlCol="0" anchor="ctr"/>
+          <a:lstStyle>
+            <a:lvl1pPr algn="r">
+              <a:defRPr sz="1050">
+                <a:solidFill>
+                  <a:schemeClr val="tx1">
+                    <a:alpha val="70000"/>
+                  </a:schemeClr>
+                </a:solidFill>
+              </a:defRPr>
+            </a:lvl1pPr>
+          </a:lstStyle>
+          <a:p>
+            <a:fld id="{1D652DA0-A234-6A4E-ACDF-AB141B7707A4}" type="datetimeFigureOut">
+              <a:rPr lang="en-US" smtClean="0"/>
+              <a:t>12/22/20</a:t>
+            </a:fld>
+            <a:endParaRPr lang="en-US"/>
+          </a:p>
+        </p:txBody>
+      </p:sp>
+      <p:sp>
+        <p:nvSpPr>
+          <p:cNvPr id="5" name="Footer Placeholder 4"/>
+          <p:cNvSpPr>
+            <a:spLocks noGrp="1"/>
+          </p:cNvSpPr>
+          <p:nvPr>
+            <p:ph type="ftr" sz="quarter" idx="3"/>
           </p:nvPr>
         </p:nvSpPr>
         <p:spPr>
           <a:xfrm>
-            <a:off x="838200" y="6356350"/>
-            <a:ext cx="2743200" cy="365125"/>
+            <a:off x="1600200" y="6236208"/>
+            <a:ext cx="5901189" cy="320040"/>
           </a:xfrm>
           <a:prstGeom prst="rect">
             <a:avLst/>
@@ -2900,101 +2878,53 @@
           <a:bodyPr vert="horz" lIns="91440" tIns="45720" rIns="91440" bIns="45720" rtlCol="0" anchor="ctr"/>
           <a:lstStyle>
             <a:lvl1pPr algn="l">
-              <a:defRPr sz="1200">
+              <a:defRPr sz="1050">
                 <a:solidFill>
                   <a:schemeClr val="tx1">
-                    <a:tint val="75000"/>
+                    <a:alpha val="70000"/>
                   </a:schemeClr>
                 </a:solidFill>
               </a:defRPr>
             </a:lvl1pPr>
           </a:lstStyle>
           <a:p>
-            <a:fld id="{1D652DA0-A234-6A4E-ACDF-AB141B7707A4}" type="datetimeFigureOut">
-              <a:rPr lang="en-US" smtClean="0"/>
-              <a:t>12/22/20</a:t>
-            </a:fld>
             <a:endParaRPr lang="en-US"/>
           </a:p>
         </p:txBody>
       </p:sp>
       <p:sp>
         <p:nvSpPr>
-          <p:cNvPr id="5" name="Footer Placeholder 4">
-            <a:extLst>
-              <a:ext uri="{FF2B5EF4-FFF2-40B4-BE49-F238E27FC236}">
-                <a16:creationId xmlns:a16="http://schemas.microsoft.com/office/drawing/2014/main" id="{F4783652-4C89-1643-A429-F3DE8F1FEF28}"/>
-              </a:ext>
-            </a:extLst>
-          </p:cNvPr>
-          <p:cNvSpPr>
-            <a:spLocks noGrp="1"/>
-          </p:cNvSpPr>
-          <p:nvPr>
-            <p:ph type="ftr" sz="quarter" idx="3"/>
+          <p:cNvPr id="6" name="Slide Number Placeholder 5"/>
+          <p:cNvSpPr>
+            <a:spLocks noGrp="1"/>
+          </p:cNvSpPr>
+          <p:nvPr>
+            <p:ph type="sldNum" sz="quarter" idx="4"/>
           </p:nvPr>
         </p:nvSpPr>
         <p:spPr>
           <a:xfrm>
-            <a:off x="4038600" y="6356350"/>
-            <a:ext cx="4114800" cy="365125"/>
+            <a:off x="10758922" y="6217920"/>
+            <a:ext cx="365760" cy="365760"/>
           </a:xfrm>
-          <a:prstGeom prst="rect">
+          <a:prstGeom prst="ellipse">
             <a:avLst/>
           </a:prstGeom>
+          <a:solidFill>
+            <a:srgbClr val="1D1D1D">
+              <a:alpha val="70000"/>
+            </a:srgbClr>
+          </a:solidFill>
         </p:spPr>
         <p:txBody>
-          <a:bodyPr vert="horz" lIns="91440" tIns="45720" rIns="91440" bIns="45720" rtlCol="0" anchor="ctr"/>
+          <a:bodyPr vert="horz" lIns="18288" tIns="45720" rIns="18288" bIns="45720" rtlCol="0" anchor="ctr">
+            <a:noAutofit/>
+          </a:bodyPr>
           <a:lstStyle>
             <a:lvl1pPr algn="ctr">
-              <a:defRPr sz="1200">
+              <a:defRPr sz="1100" spc="0" baseline="0">
                 <a:solidFill>
-                  <a:schemeClr val="tx1">
-                    <a:tint val="75000"/>
-                  </a:schemeClr>
-                </a:solidFill>
-              </a:defRPr>
-            </a:lvl1pPr>
-          </a:lstStyle>
-          <a:p>
-            <a:endParaRPr lang="en-US"/>
-          </a:p>
-        </p:txBody>
-      </p:sp>
-      <p:sp>
-        <p:nvSpPr>
-          <p:cNvPr id="6" name="Slide Number Placeholder 5">
-            <a:extLst>
-              <a:ext uri="{FF2B5EF4-FFF2-40B4-BE49-F238E27FC236}">
-                <a16:creationId xmlns:a16="http://schemas.microsoft.com/office/drawing/2014/main" id="{C6189037-B4E4-BA4A-9291-19F439020E68}"/>
-              </a:ext>
-            </a:extLst>
-          </p:cNvPr>
-          <p:cNvSpPr>
-            <a:spLocks noGrp="1"/>
-          </p:cNvSpPr>
-          <p:nvPr>
-            <p:ph type="sldNum" sz="quarter" idx="4"/>
-          </p:nvPr>
-        </p:nvSpPr>
-        <p:spPr>
-          <a:xfrm>
-            <a:off x="8610600" y="6356350"/>
-            <a:ext cx="2743200" cy="365125"/>
-          </a:xfrm>
-          <a:prstGeom prst="rect">
-            <a:avLst/>
-          </a:prstGeom>
-        </p:spPr>
-        <p:txBody>
-          <a:bodyPr vert="horz" lIns="91440" tIns="45720" rIns="91440" bIns="45720" rtlCol="0" anchor="ctr"/>
-          <a:lstStyle>
-            <a:lvl1pPr algn="r">
-              <a:defRPr sz="1200">
-                <a:solidFill>
-                  <a:schemeClr val="tx1">
-                    <a:tint val="75000"/>
-                  </a:schemeClr>
+                  <a:srgbClr val="FFFFFF"/>
                 </a:solidFill>
               </a:defRPr>
             </a:lvl1pPr>
@@ -3011,27 +2941,27 @@
     </p:spTree>
     <p:extLst>
       <p:ext uri="{BB962C8B-B14F-4D97-AF65-F5344CB8AC3E}">
-        <p14:creationId xmlns:p14="http://schemas.microsoft.com/office/powerpoint/2010/main" val="3747119154"/>
+        <p14:creationId xmlns:p14="http://schemas.microsoft.com/office/powerpoint/2010/main" val="995344881"/>
       </p:ext>
     </p:extLst>
   </p:cSld>
   <p:clrMap bg1="lt1" tx1="dk1" bg2="lt2" tx2="dk2" accent1="accent1" accent2="accent2" accent3="accent3" accent4="accent4" accent5="accent5" accent6="accent6" hlink="hlink" folHlink="folHlink"/>
   <p:sldLayoutIdLst>
-    <p:sldLayoutId id="2147483649" r:id="rId1"/>
-    <p:sldLayoutId id="2147483650" r:id="rId2"/>
-    <p:sldLayoutId id="2147483651" r:id="rId3"/>
-    <p:sldLayoutId id="2147483652" r:id="rId4"/>
-    <p:sldLayoutId id="2147483653" r:id="rId5"/>
-    <p:sldLayoutId id="2147483654" r:id="rId6"/>
-    <p:sldLayoutId id="2147483655" r:id="rId7"/>
-    <p:sldLayoutId id="2147483656" r:id="rId8"/>
-    <p:sldLayoutId id="2147483657" r:id="rId9"/>
-    <p:sldLayoutId id="2147483658" r:id="rId10"/>
-    <p:sldLayoutId id="2147483659" r:id="rId11"/>
+    <p:sldLayoutId id="2147483661" r:id="rId1"/>
+    <p:sldLayoutId id="2147483662" r:id="rId2"/>
+    <p:sldLayoutId id="2147483663" r:id="rId3"/>
+    <p:sldLayoutId id="2147483664" r:id="rId4"/>
+    <p:sldLayoutId id="2147483665" r:id="rId5"/>
+    <p:sldLayoutId id="2147483666" r:id="rId6"/>
+    <p:sldLayoutId id="2147483667" r:id="rId7"/>
+    <p:sldLayoutId id="2147483668" r:id="rId8"/>
+    <p:sldLayoutId id="2147483669" r:id="rId9"/>
+    <p:sldLayoutId id="2147483670" r:id="rId10"/>
+    <p:sldLayoutId id="2147483671" r:id="rId11"/>
   </p:sldLayoutIdLst>
   <p:txStyles>
     <p:titleStyle>
-      <a:lvl1pPr algn="l" defTabSz="914400" rtl="0" eaLnBrk="1" latinLnBrk="0" hangingPunct="1">
+      <a:lvl1pPr algn="ctr" defTabSz="914400" rtl="0" eaLnBrk="1" latinLnBrk="0" hangingPunct="1">
         <a:lnSpc>
           <a:spcPct val="90000"/>
         </a:lnSpc>
@@ -3039,9 +2969,9 @@
           <a:spcPct val="0"/>
         </a:spcBef>
         <a:buNone/>
-        <a:defRPr sz="4400" kern="1200">
+        <a:defRPr sz="2800" kern="1200" cap="all" spc="200" baseline="0">
           <a:solidFill>
-            <a:schemeClr val="tx1"/>
+            <a:srgbClr val="262626"/>
           </a:solidFill>
           <a:latin typeface="+mj-lt"/>
           <a:ea typeface="+mj-ea"/>
@@ -3052,104 +2982,137 @@
     <p:bodyStyle>
       <a:lvl1pPr marL="228600" indent="-228600" algn="l" defTabSz="914400" rtl="0" eaLnBrk="1" latinLnBrk="0" hangingPunct="1">
         <a:lnSpc>
-          <a:spcPct val="90000"/>
+          <a:spcPct val="100000"/>
         </a:lnSpc>
         <a:spcBef>
           <a:spcPts val="1000"/>
         </a:spcBef>
+        <a:buClr>
+          <a:schemeClr val="accent2"/>
+        </a:buClr>
         <a:buFont typeface="Arial" panose="020B0604020202020204" pitchFamily="34" charset="0"/>
         <a:buChar char="•"/>
-        <a:defRPr sz="2800" kern="1200">
+        <a:defRPr sz="1800" kern="1200">
           <a:solidFill>
-            <a:schemeClr val="tx1"/>
+            <a:schemeClr val="tx1">
+              <a:lumMod val="85000"/>
+              <a:lumOff val="15000"/>
+            </a:schemeClr>
           </a:solidFill>
           <a:latin typeface="+mn-lt"/>
           <a:ea typeface="+mn-ea"/>
           <a:cs typeface="+mn-cs"/>
         </a:defRPr>
       </a:lvl1pPr>
-      <a:lvl2pPr marL="685800" indent="-228600" algn="l" defTabSz="914400" rtl="0" eaLnBrk="1" latinLnBrk="0" hangingPunct="1">
+      <a:lvl2pPr marL="457200" indent="-228600" algn="l" defTabSz="914400" rtl="0" eaLnBrk="1" latinLnBrk="0" hangingPunct="1">
         <a:lnSpc>
-          <a:spcPct val="90000"/>
+          <a:spcPct val="100000"/>
         </a:lnSpc>
         <a:spcBef>
-          <a:spcPts val="500"/>
+          <a:spcPts val="1000"/>
         </a:spcBef>
+        <a:buClr>
+          <a:schemeClr val="accent2"/>
+        </a:buClr>
         <a:buFont typeface="Arial" panose="020B0604020202020204" pitchFamily="34" charset="0"/>
         <a:buChar char="•"/>
-        <a:defRPr sz="2400" kern="1200">
+        <a:defRPr sz="1600" kern="1200">
           <a:solidFill>
-            <a:schemeClr val="tx1"/>
+            <a:schemeClr val="tx1">
+              <a:lumMod val="85000"/>
+              <a:lumOff val="15000"/>
+            </a:schemeClr>
           </a:solidFill>
           <a:latin typeface="+mn-lt"/>
           <a:ea typeface="+mn-ea"/>
           <a:cs typeface="+mn-cs"/>
         </a:defRPr>
       </a:lvl2pPr>
-      <a:lvl3pPr marL="1143000" indent="-228600" algn="l" defTabSz="914400" rtl="0" eaLnBrk="1" latinLnBrk="0" hangingPunct="1">
+      <a:lvl3pPr marL="685800" indent="-228600" algn="l" defTabSz="914400" rtl="0" eaLnBrk="1" latinLnBrk="0" hangingPunct="1">
         <a:lnSpc>
-          <a:spcPct val="90000"/>
+          <a:spcPct val="100000"/>
         </a:lnSpc>
         <a:spcBef>
-          <a:spcPts val="500"/>
+          <a:spcPts val="1000"/>
         </a:spcBef>
+        <a:buClr>
+          <a:schemeClr val="accent2"/>
+        </a:buClr>
         <a:buFont typeface="Arial" panose="020B0604020202020204" pitchFamily="34" charset="0"/>
         <a:buChar char="•"/>
-        <a:defRPr sz="2000" kern="1200">
+        <a:defRPr sz="1600" kern="1200">
           <a:solidFill>
-            <a:schemeClr val="tx1"/>
+            <a:schemeClr val="tx1">
+              <a:lumMod val="85000"/>
+              <a:lumOff val="15000"/>
+            </a:schemeClr>
           </a:solidFill>
           <a:latin typeface="+mn-lt"/>
           <a:ea typeface="+mn-ea"/>
           <a:cs typeface="+mn-cs"/>
         </a:defRPr>
       </a:lvl3pPr>
-      <a:lvl4pPr marL="1600200" indent="-228600" algn="l" defTabSz="914400" rtl="0" eaLnBrk="1" latinLnBrk="0" hangingPunct="1">
+      <a:lvl4pPr marL="914400" indent="-228600" algn="l" defTabSz="914400" rtl="0" eaLnBrk="1" latinLnBrk="0" hangingPunct="1">
         <a:lnSpc>
-          <a:spcPct val="90000"/>
+          <a:spcPct val="100000"/>
         </a:lnSpc>
         <a:spcBef>
-          <a:spcPts val="500"/>
+          <a:spcPts val="1000"/>
         </a:spcBef>
+        <a:buClr>
+          <a:schemeClr val="accent2"/>
+        </a:buClr>
         <a:buFont typeface="Arial" panose="020B0604020202020204" pitchFamily="34" charset="0"/>
         <a:buChar char="•"/>
-        <a:defRPr sz="1800" kern="1200">
+        <a:defRPr sz="1600" kern="1200">
           <a:solidFill>
-            <a:schemeClr val="tx1"/>
+            <a:schemeClr val="tx1">
+              <a:lumMod val="85000"/>
+              <a:lumOff val="15000"/>
+            </a:schemeClr>
           </a:solidFill>
           <a:latin typeface="+mn-lt"/>
           <a:ea typeface="+mn-ea"/>
           <a:cs typeface="+mn-cs"/>
         </a:defRPr>
       </a:lvl4pPr>
-      <a:lvl5pPr marL="2057400" indent="-228600" algn="l" defTabSz="914400" rtl="0" eaLnBrk="1" latinLnBrk="0" hangingPunct="1">
+      <a:lvl5pPr marL="1143000" indent="-228600" algn="l" defTabSz="914400" rtl="0" eaLnBrk="1" latinLnBrk="0" hangingPunct="1">
         <a:lnSpc>
-          <a:spcPct val="90000"/>
+          <a:spcPct val="100000"/>
         </a:lnSpc>
         <a:spcBef>
-          <a:spcPts val="500"/>
+          <a:spcPts val="1000"/>
         </a:spcBef>
+        <a:buClr>
+          <a:schemeClr val="accent2"/>
+        </a:buClr>
         <a:buFont typeface="Arial" panose="020B0604020202020204" pitchFamily="34" charset="0"/>
         <a:buChar char="•"/>
-        <a:defRPr sz="1800" kern="1200">
+        <a:defRPr sz="1600" kern="1200">
           <a:solidFill>
-            <a:schemeClr val="tx1"/>
+            <a:schemeClr val="tx1">
+              <a:lumMod val="85000"/>
+              <a:lumOff val="15000"/>
+            </a:schemeClr>
           </a:solidFill>
           <a:latin typeface="+mn-lt"/>
           <a:ea typeface="+mn-ea"/>
           <a:cs typeface="+mn-cs"/>
         </a:defRPr>
       </a:lvl5pPr>
-      <a:lvl6pPr marL="2514600" indent="-228600" algn="l" defTabSz="914400" rtl="0" eaLnBrk="1" latinLnBrk="0" hangingPunct="1">
+      <a:lvl6pPr marL="1312863" indent="-228600" algn="l" defTabSz="914400" rtl="0" eaLnBrk="1" latinLnBrk="0" hangingPunct="1">
         <a:lnSpc>
-          <a:spcPct val="90000"/>
+          <a:spcPct val="100000"/>
         </a:lnSpc>
         <a:spcBef>
-          <a:spcPts val="500"/>
+          <a:spcPts val="1000"/>
         </a:spcBef>
+        <a:buClr>
+          <a:schemeClr val="accent2"/>
+        </a:buClr>
         <a:buFont typeface="Arial" panose="020B0604020202020204" pitchFamily="34" charset="0"/>
         <a:buChar char="•"/>
-        <a:defRPr sz="1800" kern="1200">
+        <a:defRPr sz="1600" kern="1200">
           <a:solidFill>
             <a:schemeClr val="tx1"/>
           </a:solidFill>
@@ -3158,16 +3121,19 @@
           <a:cs typeface="+mn-cs"/>
         </a:defRPr>
       </a:lvl6pPr>
-      <a:lvl7pPr marL="2971800" indent="-228600" algn="l" defTabSz="914400" rtl="0" eaLnBrk="1" latinLnBrk="0" hangingPunct="1">
+      <a:lvl7pPr marL="1484313" indent="-228600" algn="l" defTabSz="914400" rtl="0" eaLnBrk="1" latinLnBrk="0" hangingPunct="1">
         <a:lnSpc>
-          <a:spcPct val="90000"/>
+          <a:spcPct val="100000"/>
         </a:lnSpc>
         <a:spcBef>
-          <a:spcPts val="500"/>
+          <a:spcPts val="1000"/>
         </a:spcBef>
+        <a:buClr>
+          <a:schemeClr val="accent2"/>
+        </a:buClr>
         <a:buFont typeface="Arial" panose="020B0604020202020204" pitchFamily="34" charset="0"/>
         <a:buChar char="•"/>
-        <a:defRPr sz="1800" kern="1200">
+        <a:defRPr sz="1600" kern="1200">
           <a:solidFill>
             <a:schemeClr val="tx1"/>
           </a:solidFill>
@@ -3176,16 +3142,19 @@
           <a:cs typeface="+mn-cs"/>
         </a:defRPr>
       </a:lvl7pPr>
-      <a:lvl8pPr marL="3429000" indent="-228600" algn="l" defTabSz="914400" rtl="0" eaLnBrk="1" latinLnBrk="0" hangingPunct="1">
+      <a:lvl8pPr marL="1657350" indent="-228600" algn="l" defTabSz="914400" rtl="0" eaLnBrk="1" latinLnBrk="0" hangingPunct="1">
         <a:lnSpc>
-          <a:spcPct val="90000"/>
+          <a:spcPct val="100000"/>
         </a:lnSpc>
         <a:spcBef>
-          <a:spcPts val="500"/>
+          <a:spcPts val="1000"/>
         </a:spcBef>
+        <a:buClr>
+          <a:schemeClr val="accent2"/>
+        </a:buClr>
         <a:buFont typeface="Arial" panose="020B0604020202020204" pitchFamily="34" charset="0"/>
         <a:buChar char="•"/>
-        <a:defRPr sz="1800" kern="1200">
+        <a:defRPr sz="1600" kern="1200" baseline="0">
           <a:solidFill>
             <a:schemeClr val="tx1"/>
           </a:solidFill>
@@ -3194,16 +3163,19 @@
           <a:cs typeface="+mn-cs"/>
         </a:defRPr>
       </a:lvl8pPr>
-      <a:lvl9pPr marL="3886200" indent="-228600" algn="l" defTabSz="914400" rtl="0" eaLnBrk="1" latinLnBrk="0" hangingPunct="1">
+      <a:lvl9pPr marL="1882775" indent="-228600" algn="l" defTabSz="914400" rtl="0" eaLnBrk="1" latinLnBrk="0" hangingPunct="1">
         <a:lnSpc>
-          <a:spcPct val="90000"/>
+          <a:spcPct val="100000"/>
         </a:lnSpc>
         <a:spcBef>
-          <a:spcPts val="500"/>
+          <a:spcPts val="1000"/>
         </a:spcBef>
+        <a:buClr>
+          <a:schemeClr val="accent2"/>
+        </a:buClr>
         <a:buFont typeface="Arial" panose="020B0604020202020204" pitchFamily="34" charset="0"/>
         <a:buChar char="•"/>
-        <a:defRPr sz="1800" kern="1200">
+        <a:defRPr sz="1600" kern="1200" baseline="0">
           <a:solidFill>
             <a:schemeClr val="tx1"/>
           </a:solidFill>
@@ -3347,7 +3319,7 @@
         </p:nvSpPr>
         <p:spPr>
           <a:xfrm>
-            <a:off x="762000" y="1906134"/>
+            <a:off x="762000" y="2404898"/>
             <a:ext cx="10668000" cy="2387600"/>
           </a:xfrm>
         </p:spPr>
@@ -3380,13 +3352,13 @@
         </p:nvSpPr>
         <p:spPr>
           <a:xfrm>
-            <a:off x="1524000" y="4632326"/>
+            <a:off x="1524000" y="4964835"/>
             <a:ext cx="9144000" cy="1655762"/>
           </a:xfrm>
         </p:spPr>
         <p:txBody>
           <a:bodyPr>
-            <a:normAutofit/>
+            <a:normAutofit lnSpcReduction="10000"/>
           </a:bodyPr>
           <a:lstStyle/>
           <a:p>
@@ -3405,6 +3377,12 @@
             <a:r>
               <a:rPr lang="en-US" dirty="0"/>
               <a:t>Professor Joshua Gordon</a:t>
+            </a:r>
+          </a:p>
+          <a:p>
+            <a:r>
+              <a:rPr lang="en-US" dirty="0"/>
+              <a:t>December 22, 2020</a:t>
             </a:r>
           </a:p>
         </p:txBody>
@@ -3485,7 +3463,12 @@
             <p:ph type="title"/>
           </p:nvPr>
         </p:nvSpPr>
-        <p:spPr/>
+        <p:spPr>
+          <a:xfrm>
+            <a:off x="2231136" y="523613"/>
+            <a:ext cx="7729728" cy="1188720"/>
+          </a:xfrm>
+        </p:spPr>
         <p:txBody>
           <a:bodyPr/>
           <a:lstStyle/>
@@ -3513,12 +3496,40 @@
             <p:ph idx="1"/>
           </p:nvPr>
         </p:nvSpPr>
-        <p:spPr/>
-        <p:txBody>
-          <a:bodyPr/>
-          <a:lstStyle/>
-          <a:p>
-            <a:endParaRPr lang="en-US"/>
+        <p:spPr>
+          <a:xfrm>
+            <a:off x="2231136" y="2246158"/>
+            <a:ext cx="7729728" cy="3101983"/>
+          </a:xfrm>
+        </p:spPr>
+        <p:txBody>
+          <a:bodyPr>
+            <a:normAutofit/>
+          </a:bodyPr>
+          <a:lstStyle/>
+          <a:p>
+            <a:r>
+              <a:rPr lang="en-US" dirty="0"/>
+              <a:t>1 in 12 breast cancer biopsies is misdiagnosed</a:t>
+            </a:r>
+          </a:p>
+          <a:p>
+            <a:r>
+              <a:rPr lang="en-US" dirty="0"/>
+              <a:t>False negatives are very dangerous (resulting in no treatment for cancer patients)</a:t>
+            </a:r>
+          </a:p>
+          <a:p>
+            <a:r>
+              <a:rPr lang="en-US" dirty="0"/>
+              <a:t>While doctors still diagnose the patients themselves, have an accurate DNN model that can assist with the doctor’s decisions</a:t>
+            </a:r>
+          </a:p>
+          <a:p>
+            <a:r>
+              <a:rPr lang="en-US" dirty="0"/>
+              <a:t>Images of cells with tumors - train with different patches within the same image to predict whether a patch has a tumor -&gt; the cell has a tumor</a:t>
+            </a:r>
           </a:p>
         </p:txBody>
       </p:sp>
@@ -3568,7 +3579,12 @@
             <p:ph type="title"/>
           </p:nvPr>
         </p:nvSpPr>
-        <p:spPr/>
+        <p:spPr>
+          <a:xfrm>
+            <a:off x="2231136" y="584682"/>
+            <a:ext cx="7729728" cy="1188720"/>
+          </a:xfrm>
+        </p:spPr>
         <p:txBody>
           <a:bodyPr/>
           <a:lstStyle/>
@@ -3596,15 +3612,149 @@
             <p:ph idx="1"/>
           </p:nvPr>
         </p:nvSpPr>
-        <p:spPr/>
-        <p:txBody>
-          <a:bodyPr/>
-          <a:lstStyle/>
-          <a:p>
-            <a:endParaRPr lang="en-US"/>
-          </a:p>
-        </p:txBody>
-      </p:sp>
+        <p:spPr>
+          <a:xfrm>
+            <a:off x="2231136" y="1840114"/>
+            <a:ext cx="7729728" cy="2791264"/>
+          </a:xfrm>
+        </p:spPr>
+        <p:txBody>
+          <a:bodyPr/>
+          <a:lstStyle/>
+          <a:p>
+            <a:r>
+              <a:rPr lang="en-US" dirty="0"/>
+              <a:t>Each image has 9 different levels</a:t>
+            </a:r>
+          </a:p>
+          <a:p>
+            <a:r>
+              <a:rPr lang="en-US" dirty="0"/>
+              <a:t>Highest magnification has 100,000s of pixels on each axis, the lowest magnification has 100s of pixels</a:t>
+            </a:r>
+          </a:p>
+          <a:p>
+            <a:r>
+              <a:rPr lang="en-US" dirty="0"/>
+              <a:t>For the relevant magnification levels (with memory limitations) for each image:</a:t>
+            </a:r>
+          </a:p>
+          <a:p>
+            <a:pPr lvl="1"/>
+            <a:r>
+              <a:rPr lang="en-US" dirty="0"/>
+              <a:t>Process the slide</a:t>
+            </a:r>
+          </a:p>
+          <a:p>
+            <a:pPr lvl="1"/>
+            <a:r>
+              <a:rPr lang="en-US" dirty="0"/>
+              <a:t>Process the tissue mask (1 if there is tissue for the pixel, 0 else)</a:t>
+            </a:r>
+          </a:p>
+          <a:p>
+            <a:pPr lvl="1"/>
+            <a:r>
+              <a:rPr lang="en-US" dirty="0"/>
+              <a:t>Process the tumor mask (1 if there is tumor for the pixel, 0 else)</a:t>
+            </a:r>
+          </a:p>
+          <a:p>
+            <a:endParaRPr lang="en-US" dirty="0"/>
+          </a:p>
+        </p:txBody>
+      </p:sp>
+      <p:pic>
+        <p:nvPicPr>
+          <p:cNvPr id="4" name="Picture 3">
+            <a:extLst>
+              <a:ext uri="{FF2B5EF4-FFF2-40B4-BE49-F238E27FC236}">
+                <a16:creationId xmlns:a16="http://schemas.microsoft.com/office/drawing/2014/main" id="{F1C4E8D0-4A00-CF4A-AB5C-5055FE63325D}"/>
+              </a:ext>
+            </a:extLst>
+          </p:cNvPr>
+          <p:cNvPicPr>
+            <a:picLocks noChangeAspect="1"/>
+          </p:cNvPicPr>
+          <p:nvPr/>
+        </p:nvPicPr>
+        <p:blipFill>
+          <a:blip r:embed="rId2"/>
+          <a:stretch>
+            <a:fillRect/>
+          </a:stretch>
+        </p:blipFill>
+        <p:spPr>
+          <a:xfrm>
+            <a:off x="1717386" y="4500748"/>
+            <a:ext cx="2778939" cy="2105808"/>
+          </a:xfrm>
+          <a:prstGeom prst="rect">
+            <a:avLst/>
+          </a:prstGeom>
+        </p:spPr>
+      </p:pic>
+      <p:pic>
+        <p:nvPicPr>
+          <p:cNvPr id="5" name="Picture 4">
+            <a:extLst>
+              <a:ext uri="{FF2B5EF4-FFF2-40B4-BE49-F238E27FC236}">
+                <a16:creationId xmlns:a16="http://schemas.microsoft.com/office/drawing/2014/main" id="{02D65F8C-EB27-814A-B5BC-D8C66B9042B1}"/>
+              </a:ext>
+            </a:extLst>
+          </p:cNvPr>
+          <p:cNvPicPr>
+            <a:picLocks noChangeAspect="1"/>
+          </p:cNvPicPr>
+          <p:nvPr/>
+        </p:nvPicPr>
+        <p:blipFill>
+          <a:blip r:embed="rId3"/>
+          <a:stretch>
+            <a:fillRect/>
+          </a:stretch>
+        </p:blipFill>
+        <p:spPr>
+          <a:xfrm>
+            <a:off x="4783907" y="4500748"/>
+            <a:ext cx="2809267" cy="2105808"/>
+          </a:xfrm>
+          <a:prstGeom prst="rect">
+            <a:avLst/>
+          </a:prstGeom>
+        </p:spPr>
+      </p:pic>
+      <p:pic>
+        <p:nvPicPr>
+          <p:cNvPr id="6" name="Picture 5">
+            <a:extLst>
+              <a:ext uri="{FF2B5EF4-FFF2-40B4-BE49-F238E27FC236}">
+                <a16:creationId xmlns:a16="http://schemas.microsoft.com/office/drawing/2014/main" id="{D6F1377B-E20A-FA47-B8B8-621D099AC97A}"/>
+              </a:ext>
+            </a:extLst>
+          </p:cNvPr>
+          <p:cNvPicPr>
+            <a:picLocks noChangeAspect="1"/>
+          </p:cNvPicPr>
+          <p:nvPr/>
+        </p:nvPicPr>
+        <p:blipFill>
+          <a:blip r:embed="rId4"/>
+          <a:stretch>
+            <a:fillRect/>
+          </a:stretch>
+        </p:blipFill>
+        <p:spPr>
+          <a:xfrm>
+            <a:off x="7880756" y="4500747"/>
+            <a:ext cx="2809267" cy="2117195"/>
+          </a:xfrm>
+          <a:prstGeom prst="rect">
+            <a:avLst/>
+          </a:prstGeom>
+        </p:spPr>
+      </p:pic>
     </p:spTree>
     <p:extLst>
       <p:ext uri="{BB962C8B-B14F-4D97-AF65-F5344CB8AC3E}">
@@ -3651,7 +3801,12 @@
             <p:ph type="title"/>
           </p:nvPr>
         </p:nvSpPr>
-        <p:spPr/>
+        <p:spPr>
+          <a:xfrm>
+            <a:off x="2231136" y="810313"/>
+            <a:ext cx="7729728" cy="1188720"/>
+          </a:xfrm>
+        </p:spPr>
         <p:txBody>
           <a:bodyPr/>
           <a:lstStyle/>
@@ -3679,15 +3834,182 @@
             <p:ph idx="1"/>
           </p:nvPr>
         </p:nvSpPr>
-        <p:spPr/>
-        <p:txBody>
-          <a:bodyPr/>
-          <a:lstStyle/>
-          <a:p>
-            <a:endParaRPr lang="en-US"/>
-          </a:p>
-        </p:txBody>
-      </p:sp>
+        <p:spPr>
+          <a:xfrm>
+            <a:off x="1983179" y="2115531"/>
+            <a:ext cx="8277102" cy="2766136"/>
+          </a:xfrm>
+        </p:spPr>
+        <p:txBody>
+          <a:bodyPr/>
+          <a:lstStyle/>
+          <a:p>
+            <a:r>
+              <a:rPr lang="en-US" dirty="0"/>
+              <a:t>Fetch the 299x299 patches from the slide</a:t>
+            </a:r>
+          </a:p>
+          <a:p>
+            <a:pPr lvl="1"/>
+            <a:r>
+              <a:rPr lang="en-US" dirty="0"/>
+              <a:t>With the condition that at least 10% of the slide has tissues</a:t>
+            </a:r>
+          </a:p>
+          <a:p>
+            <a:pPr lvl="1"/>
+            <a:r>
+              <a:rPr lang="en-US" dirty="0"/>
+              <a:t>Not necessary to fetch patches with no tissue</a:t>
+            </a:r>
+          </a:p>
+          <a:p>
+            <a:pPr lvl="1"/>
+            <a:r>
+              <a:rPr lang="en-US" dirty="0"/>
+              <a:t>For each patch, we note if it has tumor or not (if the tumor patch has any 1s)</a:t>
+            </a:r>
+          </a:p>
+          <a:p>
+            <a:r>
+              <a:rPr lang="en-US" dirty="0"/>
+              <a:t>Ideally, we fetch as many patches as possible, but we limit by a multiplier</a:t>
+            </a:r>
+          </a:p>
+          <a:p>
+            <a:r>
+              <a:rPr lang="en-CA" i="1" dirty="0"/>
+              <a:t>image.extract_patches_2d function </a:t>
+            </a:r>
+            <a:r>
+              <a:rPr lang="en-CA" dirty="0"/>
+              <a:t>from Scikit learn for extracting patches</a:t>
+            </a:r>
+          </a:p>
+          <a:p>
+            <a:r>
+              <a:rPr lang="en-CA" i="1" dirty="0" err="1"/>
+              <a:t>ImageDataGenerator</a:t>
+            </a:r>
+            <a:r>
+              <a:rPr lang="en-CA" i="1" dirty="0"/>
+              <a:t> </a:t>
+            </a:r>
+            <a:r>
+              <a:rPr lang="en-CA" dirty="0"/>
+              <a:t>from </a:t>
+            </a:r>
+            <a:r>
+              <a:rPr lang="en-CA" dirty="0" err="1"/>
+              <a:t>Keras</a:t>
+            </a:r>
+            <a:r>
+              <a:rPr lang="en-CA" dirty="0"/>
+              <a:t> for training and testing datasets</a:t>
+            </a:r>
+            <a:endParaRPr lang="en-CA" i="1" dirty="0"/>
+          </a:p>
+          <a:p>
+            <a:endParaRPr lang="en-CA" dirty="0"/>
+          </a:p>
+          <a:p>
+            <a:endParaRPr lang="en-CA" dirty="0"/>
+          </a:p>
+          <a:p>
+            <a:endParaRPr lang="en-US" dirty="0"/>
+          </a:p>
+        </p:txBody>
+      </p:sp>
+      <p:pic>
+        <p:nvPicPr>
+          <p:cNvPr id="5" name="Picture 4">
+            <a:extLst>
+              <a:ext uri="{FF2B5EF4-FFF2-40B4-BE49-F238E27FC236}">
+                <a16:creationId xmlns:a16="http://schemas.microsoft.com/office/drawing/2014/main" id="{58468574-BC76-3C44-8BF7-F832D01AEFD4}"/>
+              </a:ext>
+            </a:extLst>
+          </p:cNvPr>
+          <p:cNvPicPr>
+            <a:picLocks noChangeAspect="1"/>
+          </p:cNvPicPr>
+          <p:nvPr/>
+        </p:nvPicPr>
+        <p:blipFill>
+          <a:blip r:embed="rId2"/>
+          <a:stretch>
+            <a:fillRect/>
+          </a:stretch>
+        </p:blipFill>
+        <p:spPr>
+          <a:xfrm>
+            <a:off x="2703533" y="4881666"/>
+            <a:ext cx="1892300" cy="1892300"/>
+          </a:xfrm>
+          <a:prstGeom prst="rect">
+            <a:avLst/>
+          </a:prstGeom>
+        </p:spPr>
+      </p:pic>
+      <p:pic>
+        <p:nvPicPr>
+          <p:cNvPr id="7" name="Picture 6">
+            <a:extLst>
+              <a:ext uri="{FF2B5EF4-FFF2-40B4-BE49-F238E27FC236}">
+                <a16:creationId xmlns:a16="http://schemas.microsoft.com/office/drawing/2014/main" id="{9B642268-E610-AB45-8265-4F114EA9AFDF}"/>
+              </a:ext>
+            </a:extLst>
+          </p:cNvPr>
+          <p:cNvPicPr>
+            <a:picLocks noChangeAspect="1"/>
+          </p:cNvPicPr>
+          <p:nvPr/>
+        </p:nvPicPr>
+        <p:blipFill>
+          <a:blip r:embed="rId3"/>
+          <a:stretch>
+            <a:fillRect/>
+          </a:stretch>
+        </p:blipFill>
+        <p:spPr>
+          <a:xfrm>
+            <a:off x="5149850" y="4881666"/>
+            <a:ext cx="1892300" cy="1892300"/>
+          </a:xfrm>
+          <a:prstGeom prst="rect">
+            <a:avLst/>
+          </a:prstGeom>
+        </p:spPr>
+      </p:pic>
+      <p:pic>
+        <p:nvPicPr>
+          <p:cNvPr id="9" name="Picture 8">
+            <a:extLst>
+              <a:ext uri="{FF2B5EF4-FFF2-40B4-BE49-F238E27FC236}">
+                <a16:creationId xmlns:a16="http://schemas.microsoft.com/office/drawing/2014/main" id="{AEAA2FE9-30B7-0247-82C3-F2C1D7CAE3C2}"/>
+              </a:ext>
+            </a:extLst>
+          </p:cNvPr>
+          <p:cNvPicPr>
+            <a:picLocks noChangeAspect="1"/>
+          </p:cNvPicPr>
+          <p:nvPr/>
+        </p:nvPicPr>
+        <p:blipFill>
+          <a:blip r:embed="rId4"/>
+          <a:stretch>
+            <a:fillRect/>
+          </a:stretch>
+        </p:blipFill>
+        <p:spPr>
+          <a:xfrm>
+            <a:off x="7596167" y="4881666"/>
+            <a:ext cx="1892300" cy="1892300"/>
+          </a:xfrm>
+          <a:prstGeom prst="rect">
+            <a:avLst/>
+          </a:prstGeom>
+        </p:spPr>
+      </p:pic>
     </p:spTree>
     <p:extLst>
       <p:ext uri="{BB962C8B-B14F-4D97-AF65-F5344CB8AC3E}">
@@ -3767,7 +4089,43 @@
           <a:bodyPr/>
           <a:lstStyle/>
           <a:p>
-            <a:endParaRPr lang="en-US"/>
+            <a:r>
+              <a:rPr lang="en-US" dirty="0"/>
+              <a:t>Due to memory limitations we trained 3 models with images from magnification levels 4,5, </a:t>
+            </a:r>
+            <a:r>
+              <a:rPr lang="en-US"/>
+              <a:t>and 6</a:t>
+            </a:r>
+            <a:endParaRPr lang="en-US" dirty="0"/>
+          </a:p>
+          <a:p>
+            <a:r>
+              <a:rPr lang="en-US" dirty="0"/>
+              <a:t>We tried transfer learning on ResNet50, and built from scratch using convolutional layer and max pooling</a:t>
+            </a:r>
+          </a:p>
+          <a:p>
+            <a:pPr lvl="1"/>
+            <a:r>
+              <a:rPr lang="en-US" dirty="0"/>
+              <a:t>Transfer learning performed better</a:t>
+            </a:r>
+          </a:p>
+          <a:p>
+            <a:r>
+              <a:rPr lang="en-US" dirty="0"/>
+              <a:t>We also added 2 Dense layers and a final Dense layer with1 node (binary)</a:t>
+            </a:r>
+          </a:p>
+          <a:p>
+            <a:r>
+              <a:rPr lang="en-US" dirty="0"/>
+              <a:t>Combine the results from the 3 models, weighed by their individual validation accuracies </a:t>
+            </a:r>
+          </a:p>
+          <a:p>
+            <a:endParaRPr lang="en-US" dirty="0"/>
           </a:p>
         </p:txBody>
       </p:sp>
@@ -3907,11 +4265,7 @@
           <a:p>
             <a:r>
               <a:rPr lang="en-US" dirty="0"/>
-              <a:t>Model Prediction Examples </a:t>
-            </a:r>
-            <a:r>
-              <a:rPr lang="en-US"/>
-              <a:t>- continued</a:t>
+              <a:t>Model Prediction Examples - continued</a:t>
             </a:r>
           </a:p>
         </p:txBody>
@@ -4022,15 +4376,19 @@
           <a:p>
             <a:r>
               <a:rPr lang="en-US" dirty="0"/>
-              <a:t>Memory on </a:t>
-            </a:r>
-            <a:r>
-              <a:rPr lang="en-US" dirty="0" err="1"/>
-              <a:t>Colab</a:t>
-            </a:r>
+              <a:t>Memory Intensive Procedure with high-pixel images</a:t>
+            </a:r>
+          </a:p>
+          <a:p>
             <a:r>
               <a:rPr lang="en-US" dirty="0"/>
-              <a:t> Pro</a:t>
+              <a:t>Connecting with GCP  VM for extra memory</a:t>
+            </a:r>
+          </a:p>
+          <a:p>
+            <a:r>
+              <a:rPr lang="en-US" dirty="0"/>
+              <a:t>Disk storage (Google Drive has 15GB)</a:t>
             </a:r>
           </a:p>
         </p:txBody>
@@ -4114,7 +4472,60 @@
           <a:bodyPr/>
           <a:lstStyle/>
           <a:p>
-            <a:endParaRPr lang="en-US"/>
+            <a:r>
+              <a:rPr lang="en-US" dirty="0"/>
+              <a:t>Due to limitation in disk storage, more data augmentation could definitely help</a:t>
+            </a:r>
+          </a:p>
+          <a:p>
+            <a:pPr lvl="1"/>
+            <a:r>
+              <a:rPr lang="en-CA" dirty="0"/>
+              <a:t>Random rotation</a:t>
+            </a:r>
+          </a:p>
+          <a:p>
+            <a:pPr lvl="1"/>
+            <a:r>
+              <a:rPr lang="en-CA" dirty="0"/>
+              <a:t>Hue</a:t>
+            </a:r>
+          </a:p>
+          <a:p>
+            <a:pPr lvl="1"/>
+            <a:r>
+              <a:rPr lang="en-CA" dirty="0"/>
+              <a:t>Contrast</a:t>
+            </a:r>
+          </a:p>
+          <a:p>
+            <a:pPr lvl="1"/>
+            <a:r>
+              <a:rPr lang="en-CA" dirty="0"/>
+              <a:t>Brightness</a:t>
+            </a:r>
+          </a:p>
+          <a:p>
+            <a:r>
+              <a:rPr lang="en-CA" dirty="0"/>
+              <a:t>Transfer learning from different models (Inception models as in the paper)</a:t>
+            </a:r>
+          </a:p>
+          <a:p>
+            <a:r>
+              <a:rPr lang="en-CA" dirty="0"/>
+              <a:t>Train with </a:t>
+            </a:r>
+            <a:r>
+              <a:rPr lang="en-US" dirty="0"/>
+              <a:t>more computing power (multiple GPUs)</a:t>
+            </a:r>
+          </a:p>
+          <a:p>
+            <a:r>
+              <a:rPr lang="en-US" dirty="0"/>
+              <a:t>Train with highest magnification levels</a:t>
+            </a:r>
           </a:p>
         </p:txBody>
       </p:sp>
@@ -4132,108 +4543,58 @@
 </file>
 
 <file path=ppt/theme/theme1.xml><?xml version="1.0" encoding="utf-8"?>
-<a:theme xmlns:a="http://schemas.openxmlformats.org/drawingml/2006/main" name="Office Theme">
+<a:theme xmlns:a="http://schemas.openxmlformats.org/drawingml/2006/main" name="Parcel">
   <a:themeElements>
-    <a:clrScheme name="Office">
+    <a:clrScheme name="Parcel">
       <a:dk1>
-        <a:sysClr val="windowText" lastClr="000000"/>
+        <a:srgbClr val="000000"/>
       </a:dk1>
       <a:lt1>
-        <a:sysClr val="window" lastClr="FFFFFF"/>
+        <a:srgbClr val="FFFFFF"/>
       </a:lt1>
       <a:dk2>
-        <a:srgbClr val="44546A"/>
+        <a:srgbClr val="4A5356"/>
       </a:dk2>
       <a:lt2>
-        <a:srgbClr val="E7E6E6"/>
+        <a:srgbClr val="E8E3CE"/>
       </a:lt2>
       <a:accent1>
-        <a:srgbClr val="4472C4"/>
+        <a:srgbClr val="F6A21D"/>
       </a:accent1>
       <a:accent2>
-        <a:srgbClr val="ED7D31"/>
+        <a:srgbClr val="9BAFB5"/>
       </a:accent2>
       <a:accent3>
-        <a:srgbClr val="A5A5A5"/>
+        <a:srgbClr val="C96731"/>
       </a:accent3>
       <a:accent4>
-        <a:srgbClr val="FFC000"/>
+        <a:srgbClr val="9CA383"/>
       </a:accent4>
       <a:accent5>
-        <a:srgbClr val="5B9BD5"/>
+        <a:srgbClr val="87795D"/>
       </a:accent5>
       <a:accent6>
-        <a:srgbClr val="70AD47"/>
+        <a:srgbClr val="A0988C"/>
       </a:accent6>
       <a:hlink>
-        <a:srgbClr val="0563C1"/>
+        <a:srgbClr val="00B0F0"/>
       </a:hlink>
       <a:folHlink>
-        <a:srgbClr val="954F72"/>
+        <a:srgbClr val="738F97"/>
       </a:folHlink>
     </a:clrScheme>
-    <a:fontScheme name="Office">
+    <a:fontScheme name="Parcel">
       <a:majorFont>
-        <a:latin typeface="Calibri Light" panose="020F0302020204030204"/>
+        <a:latin typeface="Gill Sans MT" panose="020B0502020104020203"/>
         <a:ea typeface=""/>
         <a:cs typeface=""/>
-        <a:font script="Jpan" typeface="游ゴシック Light"/>
-        <a:font script="Hang" typeface="맑은 고딕"/>
-        <a:font script="Hans" typeface="等线 Light"/>
-        <a:font script="Hant" typeface="新細明體"/>
-        <a:font script="Arab" typeface="Times New Roman"/>
-        <a:font script="Hebr" typeface="Times New Roman"/>
-        <a:font script="Thai" typeface="Angsana New"/>
-        <a:font script="Ethi" typeface="Nyala"/>
-        <a:font script="Beng" typeface="Vrinda"/>
-        <a:font script="Gujr" typeface="Shruti"/>
-        <a:font script="Khmr" typeface="MoolBoran"/>
-        <a:font script="Knda" typeface="Tunga"/>
-        <a:font script="Guru" typeface="Raavi"/>
-        <a:font script="Cans" typeface="Euphemia"/>
-        <a:font script="Cher" typeface="Plantagenet Cherokee"/>
-        <a:font script="Yiii" typeface="Microsoft Yi Baiti"/>
-        <a:font script="Tibt" typeface="Microsoft Himalaya"/>
-        <a:font script="Thaa" typeface="MV Boli"/>
-        <a:font script="Deva" typeface="Mangal"/>
-        <a:font script="Telu" typeface="Gautami"/>
-        <a:font script="Taml" typeface="Latha"/>
-        <a:font script="Syrc" typeface="Estrangelo Edessa"/>
-        <a:font script="Orya" typeface="Kalinga"/>
-        <a:font script="Mlym" typeface="Kartika"/>
-        <a:font script="Laoo" typeface="DokChampa"/>
-        <a:font script="Sinh" typeface="Iskoola Pota"/>
-        <a:font script="Mong" typeface="Mongolian Baiti"/>
-        <a:font script="Viet" typeface="Times New Roman"/>
-        <a:font script="Uigh" typeface="Microsoft Uighur"/>
-        <a:font script="Geor" typeface="Sylfaen"/>
-        <a:font script="Armn" typeface="Arial"/>
-        <a:font script="Bugi" typeface="Leelawadee UI"/>
-        <a:font script="Bopo" typeface="Microsoft JhengHei"/>
-        <a:font script="Java" typeface="Javanese Text"/>
-        <a:font script="Lisu" typeface="Segoe UI"/>
-        <a:font script="Mymr" typeface="Myanmar Text"/>
-        <a:font script="Nkoo" typeface="Ebrima"/>
-        <a:font script="Olck" typeface="Nirmala UI"/>
-        <a:font script="Osma" typeface="Ebrima"/>
-        <a:font script="Phag" typeface="Phagspa"/>
-        <a:font script="Syrn" typeface="Estrangelo Edessa"/>
-        <a:font script="Syrj" typeface="Estrangelo Edessa"/>
-        <a:font script="Syre" typeface="Estrangelo Edessa"/>
-        <a:font script="Sora" typeface="Nirmala UI"/>
-        <a:font script="Tale" typeface="Microsoft Tai Le"/>
-        <a:font script="Talu" typeface="Microsoft New Tai Lue"/>
-        <a:font script="Tfng" typeface="Ebrima"/>
-      </a:majorFont>
-      <a:minorFont>
-        <a:latin typeface="Calibri" panose="020F0502020204030204"/>
-        <a:ea typeface=""/>
-        <a:cs typeface=""/>
-        <a:font script="Jpan" typeface="游ゴシック"/>
-        <a:font script="Hang" typeface="맑은 고딕"/>
-        <a:font script="Hans" typeface="等线"/>
-        <a:font script="Hant" typeface="新細明體"/>
-        <a:font script="Arab" typeface="Arial"/>
+        <a:font script="Grek" typeface="Corbel"/>
+        <a:font script="Cyrl" typeface="Corbel"/>
+        <a:font script="Jpan" typeface="HGｺﾞｼｯｸE"/>
+        <a:font script="Hang" typeface="휴먼매직체"/>
+        <a:font script="Hans" typeface="华文中宋"/>
+        <a:font script="Hant" typeface="微軟正黑體"/>
+        <a:font script="Arab" typeface="Majalla UI"/>
         <a:font script="Hebr" typeface="Arial"/>
         <a:font script="Thai" typeface="Cordia New"/>
         <a:font script="Ethi" typeface="Nyala"/>
@@ -4256,29 +4617,49 @@
         <a:font script="Laoo" typeface="DokChampa"/>
         <a:font script="Sinh" typeface="Iskoola Pota"/>
         <a:font script="Mong" typeface="Mongolian Baiti"/>
-        <a:font script="Viet" typeface="Arial"/>
+        <a:font script="Viet" typeface="Tahoma"/>
         <a:font script="Uigh" typeface="Microsoft Uighur"/>
         <a:font script="Geor" typeface="Sylfaen"/>
-        <a:font script="Armn" typeface="Arial"/>
-        <a:font script="Bugi" typeface="Leelawadee UI"/>
-        <a:font script="Bopo" typeface="Microsoft JhengHei"/>
-        <a:font script="Java" typeface="Javanese Text"/>
-        <a:font script="Lisu" typeface="Segoe UI"/>
-        <a:font script="Mymr" typeface="Myanmar Text"/>
-        <a:font script="Nkoo" typeface="Ebrima"/>
-        <a:font script="Olck" typeface="Nirmala UI"/>
-        <a:font script="Osma" typeface="Ebrima"/>
-        <a:font script="Phag" typeface="Phagspa"/>
-        <a:font script="Syrn" typeface="Estrangelo Edessa"/>
-        <a:font script="Syrj" typeface="Estrangelo Edessa"/>
-        <a:font script="Syre" typeface="Estrangelo Edessa"/>
-        <a:font script="Sora" typeface="Nirmala UI"/>
-        <a:font script="Tale" typeface="Microsoft Tai Le"/>
-        <a:font script="Talu" typeface="Microsoft New Tai Lue"/>
-        <a:font script="Tfng" typeface="Ebrima"/>
+      </a:majorFont>
+      <a:minorFont>
+        <a:latin typeface="Gill Sans MT" panose="020B0502020104020203"/>
+        <a:ea typeface=""/>
+        <a:cs typeface=""/>
+        <a:font script="Grek" typeface="Corbel"/>
+        <a:font script="Cyrl" typeface="Corbel"/>
+        <a:font script="Jpan" typeface="HGｺﾞｼｯｸE"/>
+        <a:font script="Hang" typeface="휴먼매직체"/>
+        <a:font script="Hans" typeface="华文中宋"/>
+        <a:font script="Hant" typeface="微軟正黑體"/>
+        <a:font script="Arab" typeface="Majalla UI"/>
+        <a:font script="Hebr" typeface="Arial"/>
+        <a:font script="Thai" typeface="Cordia New"/>
+        <a:font script="Ethi" typeface="Nyala"/>
+        <a:font script="Beng" typeface="Vrinda"/>
+        <a:font script="Gujr" typeface="Shruti"/>
+        <a:font script="Khmr" typeface="DaunPenh"/>
+        <a:font script="Knda" typeface="Tunga"/>
+        <a:font script="Guru" typeface="Raavi"/>
+        <a:font script="Cans" typeface="Euphemia"/>
+        <a:font script="Cher" typeface="Plantagenet Cherokee"/>
+        <a:font script="Yiii" typeface="Microsoft Yi Baiti"/>
+        <a:font script="Tibt" typeface="Microsoft Himalaya"/>
+        <a:font script="Thaa" typeface="MV Boli"/>
+        <a:font script="Deva" typeface="Mangal"/>
+        <a:font script="Telu" typeface="Gautami"/>
+        <a:font script="Taml" typeface="Latha"/>
+        <a:font script="Syrc" typeface="Estrangelo Edessa"/>
+        <a:font script="Orya" typeface="Kalinga"/>
+        <a:font script="Mlym" typeface="Kartika"/>
+        <a:font script="Laoo" typeface="DokChampa"/>
+        <a:font script="Sinh" typeface="Iskoola Pota"/>
+        <a:font script="Mong" typeface="Mongolian Baiti"/>
+        <a:font script="Viet" typeface="Tahoma"/>
+        <a:font script="Uigh" typeface="Microsoft Uighur"/>
+        <a:font script="Geor" typeface="Sylfaen"/>
       </a:minorFont>
     </a:fontScheme>
-    <a:fmtScheme name="Office">
+    <a:fmtScheme name="Parcel">
       <a:fillStyleLst>
         <a:solidFill>
           <a:schemeClr val="phClr"/>
@@ -4287,23 +4668,16 @@
           <a:gsLst>
             <a:gs pos="0">
               <a:schemeClr val="phClr">
-                <a:lumMod val="110000"/>
-                <a:satMod val="105000"/>
-                <a:tint val="67000"/>
-              </a:schemeClr>
-            </a:gs>
-            <a:gs pos="50000">
-              <a:schemeClr val="phClr">
-                <a:lumMod val="105000"/>
-                <a:satMod val="103000"/>
-                <a:tint val="73000"/>
+                <a:tint val="80000"/>
+                <a:satMod val="107000"/>
+                <a:lumMod val="103000"/>
               </a:schemeClr>
             </a:gs>
             <a:gs pos="100000">
               <a:schemeClr val="phClr">
-                <a:lumMod val="105000"/>
+                <a:tint val="82000"/>
                 <a:satMod val="109000"/>
-                <a:tint val="81000"/>
+                <a:lumMod val="103000"/>
               </a:schemeClr>
             </a:gs>
           </a:gsLst>
@@ -4313,23 +4687,23 @@
           <a:gsLst>
             <a:gs pos="0">
               <a:schemeClr val="phClr">
-                <a:satMod val="103000"/>
+                <a:tint val="97000"/>
+                <a:satMod val="100000"/>
                 <a:lumMod val="102000"/>
-                <a:tint val="94000"/>
               </a:schemeClr>
             </a:gs>
             <a:gs pos="50000">
               <a:schemeClr val="phClr">
-                <a:satMod val="110000"/>
+                <a:shade val="100000"/>
+                <a:satMod val="103000"/>
                 <a:lumMod val="100000"/>
-                <a:shade val="100000"/>
               </a:schemeClr>
             </a:gs>
             <a:gs pos="100000">
               <a:schemeClr val="phClr">
+                <a:shade val="93000"/>
+                <a:satMod val="110000"/>
                 <a:lumMod val="99000"/>
-                <a:satMod val="120000"/>
-                <a:shade val="78000"/>
               </a:schemeClr>
             </a:gs>
           </a:gsLst>
@@ -4342,21 +4716,18 @@
             <a:schemeClr val="phClr"/>
           </a:solidFill>
           <a:prstDash val="solid"/>
-          <a:miter lim="800000"/>
         </a:ln>
         <a:ln w="12700" cap="flat" cmpd="sng" algn="ctr">
           <a:solidFill>
             <a:schemeClr val="phClr"/>
           </a:solidFill>
           <a:prstDash val="solid"/>
-          <a:miter lim="800000"/>
         </a:ln>
-        <a:ln w="19050" cap="flat" cmpd="sng" algn="ctr">
+        <a:ln w="31750" cap="flat" cmpd="sng" algn="ctr">
           <a:solidFill>
             <a:schemeClr val="phClr"/>
           </a:solidFill>
           <a:prstDash val="solid"/>
-          <a:miter lim="800000"/>
         </a:ln>
       </a:lnStyleLst>
       <a:effectStyleLst>
@@ -4368,12 +4739,21 @@
         </a:effectStyle>
         <a:effectStyle>
           <a:effectLst>
-            <a:outerShdw blurRad="57150" dist="19050" dir="5400000" algn="ctr" rotWithShape="0">
+            <a:outerShdw blurRad="55880" dist="15240" dir="5400000" algn="ctr" rotWithShape="0">
               <a:srgbClr val="000000">
-                <a:alpha val="63000"/>
+                <a:alpha val="45000"/>
               </a:srgbClr>
             </a:outerShdw>
           </a:effectLst>
+          <a:scene3d>
+            <a:camera prst="orthographicFront">
+              <a:rot lat="0" lon="0" rev="0"/>
+            </a:camera>
+            <a:lightRig rig="brightRoom" dir="tl"/>
+          </a:scene3d>
+          <a:sp3d prstMaterial="dkEdge">
+            <a:bevelT w="0" h="0"/>
+          </a:sp3d>
         </a:effectStyle>
       </a:effectStyleLst>
       <a:bgFillStyleLst>
@@ -4390,28 +4770,24 @@
           <a:gsLst>
             <a:gs pos="0">
               <a:schemeClr val="phClr">
-                <a:tint val="93000"/>
-                <a:satMod val="150000"/>
-                <a:shade val="98000"/>
-                <a:lumMod val="102000"/>
-              </a:schemeClr>
-            </a:gs>
-            <a:gs pos="50000">
-              <a:schemeClr val="phClr">
-                <a:tint val="98000"/>
-                <a:satMod val="130000"/>
-                <a:shade val="90000"/>
-                <a:lumMod val="103000"/>
+                <a:tint val="97000"/>
+                <a:shade val="100000"/>
+                <a:satMod val="185000"/>
+                <a:lumMod val="120000"/>
               </a:schemeClr>
             </a:gs>
             <a:gs pos="100000">
               <a:schemeClr val="phClr">
-                <a:shade val="63000"/>
-                <a:satMod val="120000"/>
+                <a:tint val="96000"/>
+                <a:shade val="95000"/>
+                <a:satMod val="215000"/>
+                <a:lumMod val="80000"/>
               </a:schemeClr>
             </a:gs>
           </a:gsLst>
-          <a:lin ang="5400000" scaled="0"/>
+          <a:path path="circle">
+            <a:fillToRect l="50000" t="55000" r="125000" b="100000"/>
+          </a:path>
         </a:gradFill>
       </a:bgFillStyleLst>
     </a:fmtScheme>
@@ -4420,7 +4796,7 @@
   <a:extraClrSchemeLst/>
   <a:extLst>
     <a:ext uri="{05A4C25C-085E-4340-85A3-A5531E510DB2}">
-      <thm15:themeFamily xmlns:thm15="http://schemas.microsoft.com/office/thememl/2012/main" name="Office Theme" id="{62F939B6-93AF-4DB8-9C6B-D6C7DFDC589F}" vid="{4A3C46E8-61CC-4603-A589-7422A47A8E4A}"/>
+      <thm15:themeFamily xmlns:thm15="http://schemas.microsoft.com/office/thememl/2012/main" name="Parcel" id="{8BEC4385-4EB9-4D53-BFB5-0EA123736B6D}" vid="{4DB32801-28C0-48B0-8C1D-A9A58613615A}"/>
     </a:ext>
   </a:extLst>
 </a:theme>
